--- a/projects/medium/duration.pptx
+++ b/projects/medium/duration.pptx
@@ -12,11 +12,12 @@
     <p:sldId id="263" r:id="rId6"/>
     <p:sldId id="266" r:id="rId7"/>
     <p:sldId id="261" r:id="rId8"/>
-    <p:sldId id="259" r:id="rId9"/>
-    <p:sldId id="265" r:id="rId10"/>
-    <p:sldId id="267" r:id="rId11"/>
-    <p:sldId id="268" r:id="rId12"/>
-    <p:sldId id="269" r:id="rId13"/>
+    <p:sldId id="270" r:id="rId9"/>
+    <p:sldId id="259" r:id="rId10"/>
+    <p:sldId id="265" r:id="rId11"/>
+    <p:sldId id="267" r:id="rId12"/>
+    <p:sldId id="268" r:id="rId13"/>
+    <p:sldId id="269" r:id="rId14"/>
   </p:sldIdLst>
   <p:sldSz cx="12192000" cy="6858000"/>
   <p:notesSz cx="6858000" cy="9144000"/>
@@ -2694,6 +2695,1817 @@
     <c:autoTitleDeleted val="1"/>
     <c:plotArea>
       <c:layout/>
+      <c:lineChart>
+        <c:grouping val="stacked"/>
+        <c:varyColors val="0"/>
+        <c:ser>
+          <c:idx val="0"/>
+          <c:order val="0"/>
+          <c:tx>
+            <c:strRef>
+              <c:f>Sheet1!$B$1</c:f>
+              <c:strCache>
+                <c:ptCount val="1"/>
+                <c:pt idx="0">
+                  <c:v>Column1</c:v>
+                </c:pt>
+              </c:strCache>
+            </c:strRef>
+          </c:tx>
+          <c:spPr>
+            <a:ln w="28575" cap="rnd">
+              <a:solidFill>
+                <a:schemeClr val="bg1"/>
+              </a:solidFill>
+              <a:round/>
+            </a:ln>
+            <a:effectLst/>
+          </c:spPr>
+          <c:marker>
+            <c:symbol val="none"/>
+          </c:marker>
+          <c:dPt>
+            <c:idx val="0"/>
+            <c:marker>
+              <c:symbol val="none"/>
+            </c:marker>
+            <c:bubble3D val="0"/>
+            <c:spPr>
+              <a:ln w="28575" cap="rnd">
+                <a:solidFill>
+                  <a:schemeClr val="bg1"/>
+                </a:solidFill>
+                <a:round/>
+              </a:ln>
+              <a:effectLst/>
+            </c:spPr>
+            <c:extLst>
+              <c:ext xmlns:c16="http://schemas.microsoft.com/office/drawing/2014/chart" uri="{C3380CC4-5D6E-409C-BE32-E72D297353CC}">
+                <c16:uniqueId val="{00000001-C6B7-C34A-96DD-B398883279F8}"/>
+              </c:ext>
+            </c:extLst>
+          </c:dPt>
+          <c:dPt>
+            <c:idx val="17"/>
+            <c:marker>
+              <c:symbol val="none"/>
+            </c:marker>
+            <c:bubble3D val="0"/>
+            <c:spPr>
+              <a:ln w="28575" cap="rnd">
+                <a:solidFill>
+                  <a:schemeClr val="bg1"/>
+                </a:solidFill>
+                <a:round/>
+              </a:ln>
+              <a:effectLst/>
+            </c:spPr>
+            <c:extLst>
+              <c:ext xmlns:c16="http://schemas.microsoft.com/office/drawing/2014/chart" uri="{C3380CC4-5D6E-409C-BE32-E72D297353CC}">
+                <c16:uniqueId val="{00000003-C6B7-C34A-96DD-B398883279F8}"/>
+              </c:ext>
+            </c:extLst>
+          </c:dPt>
+          <c:cat>
+            <c:numRef>
+              <c:f>Sheet1!$A$2:$A$256</c:f>
+              <c:numCache>
+                <c:formatCode>m/d/yy</c:formatCode>
+                <c:ptCount val="255"/>
+                <c:pt idx="0">
+                  <c:v>37257</c:v>
+                </c:pt>
+                <c:pt idx="1">
+                  <c:v>37288</c:v>
+                </c:pt>
+                <c:pt idx="2">
+                  <c:v>37316</c:v>
+                </c:pt>
+                <c:pt idx="3">
+                  <c:v>37347</c:v>
+                </c:pt>
+                <c:pt idx="4">
+                  <c:v>37377</c:v>
+                </c:pt>
+                <c:pt idx="5">
+                  <c:v>37408</c:v>
+                </c:pt>
+                <c:pt idx="6">
+                  <c:v>37438</c:v>
+                </c:pt>
+                <c:pt idx="7">
+                  <c:v>37469</c:v>
+                </c:pt>
+                <c:pt idx="8">
+                  <c:v>37500</c:v>
+                </c:pt>
+                <c:pt idx="9">
+                  <c:v>37530</c:v>
+                </c:pt>
+                <c:pt idx="10">
+                  <c:v>37561</c:v>
+                </c:pt>
+                <c:pt idx="11">
+                  <c:v>37591</c:v>
+                </c:pt>
+                <c:pt idx="12">
+                  <c:v>37622</c:v>
+                </c:pt>
+                <c:pt idx="13">
+                  <c:v>37653</c:v>
+                </c:pt>
+                <c:pt idx="14">
+                  <c:v>37681</c:v>
+                </c:pt>
+                <c:pt idx="15">
+                  <c:v>37712</c:v>
+                </c:pt>
+                <c:pt idx="16">
+                  <c:v>37742</c:v>
+                </c:pt>
+                <c:pt idx="17">
+                  <c:v>37773</c:v>
+                </c:pt>
+                <c:pt idx="18">
+                  <c:v>37803</c:v>
+                </c:pt>
+                <c:pt idx="19">
+                  <c:v>37834</c:v>
+                </c:pt>
+                <c:pt idx="20">
+                  <c:v>37865</c:v>
+                </c:pt>
+                <c:pt idx="21">
+                  <c:v>37895</c:v>
+                </c:pt>
+                <c:pt idx="22">
+                  <c:v>37926</c:v>
+                </c:pt>
+                <c:pt idx="23">
+                  <c:v>37956</c:v>
+                </c:pt>
+                <c:pt idx="24">
+                  <c:v>37987</c:v>
+                </c:pt>
+                <c:pt idx="25">
+                  <c:v>38018</c:v>
+                </c:pt>
+                <c:pt idx="26">
+                  <c:v>38047</c:v>
+                </c:pt>
+                <c:pt idx="27">
+                  <c:v>38078</c:v>
+                </c:pt>
+                <c:pt idx="28">
+                  <c:v>38108</c:v>
+                </c:pt>
+                <c:pt idx="29">
+                  <c:v>38139</c:v>
+                </c:pt>
+                <c:pt idx="30">
+                  <c:v>38169</c:v>
+                </c:pt>
+                <c:pt idx="31">
+                  <c:v>38200</c:v>
+                </c:pt>
+                <c:pt idx="32">
+                  <c:v>38231</c:v>
+                </c:pt>
+                <c:pt idx="33">
+                  <c:v>38261</c:v>
+                </c:pt>
+                <c:pt idx="34">
+                  <c:v>38292</c:v>
+                </c:pt>
+                <c:pt idx="35">
+                  <c:v>38322</c:v>
+                </c:pt>
+                <c:pt idx="36">
+                  <c:v>38353</c:v>
+                </c:pt>
+                <c:pt idx="37">
+                  <c:v>38384</c:v>
+                </c:pt>
+                <c:pt idx="38">
+                  <c:v>38412</c:v>
+                </c:pt>
+                <c:pt idx="39">
+                  <c:v>38443</c:v>
+                </c:pt>
+                <c:pt idx="40">
+                  <c:v>38473</c:v>
+                </c:pt>
+                <c:pt idx="41">
+                  <c:v>38504</c:v>
+                </c:pt>
+                <c:pt idx="42">
+                  <c:v>38534</c:v>
+                </c:pt>
+                <c:pt idx="43">
+                  <c:v>38565</c:v>
+                </c:pt>
+                <c:pt idx="44">
+                  <c:v>38596</c:v>
+                </c:pt>
+                <c:pt idx="45">
+                  <c:v>38626</c:v>
+                </c:pt>
+                <c:pt idx="46">
+                  <c:v>38657</c:v>
+                </c:pt>
+                <c:pt idx="47">
+                  <c:v>38687</c:v>
+                </c:pt>
+                <c:pt idx="48">
+                  <c:v>38718</c:v>
+                </c:pt>
+                <c:pt idx="49">
+                  <c:v>38749</c:v>
+                </c:pt>
+                <c:pt idx="50">
+                  <c:v>38777</c:v>
+                </c:pt>
+                <c:pt idx="51">
+                  <c:v>38808</c:v>
+                </c:pt>
+                <c:pt idx="52">
+                  <c:v>38838</c:v>
+                </c:pt>
+                <c:pt idx="53">
+                  <c:v>38869</c:v>
+                </c:pt>
+                <c:pt idx="54">
+                  <c:v>38899</c:v>
+                </c:pt>
+                <c:pt idx="55">
+                  <c:v>38930</c:v>
+                </c:pt>
+                <c:pt idx="56">
+                  <c:v>38961</c:v>
+                </c:pt>
+                <c:pt idx="57">
+                  <c:v>38991</c:v>
+                </c:pt>
+                <c:pt idx="58">
+                  <c:v>39022</c:v>
+                </c:pt>
+                <c:pt idx="59">
+                  <c:v>39052</c:v>
+                </c:pt>
+                <c:pt idx="60">
+                  <c:v>39083</c:v>
+                </c:pt>
+                <c:pt idx="61">
+                  <c:v>39114</c:v>
+                </c:pt>
+                <c:pt idx="62">
+                  <c:v>39142</c:v>
+                </c:pt>
+                <c:pt idx="63">
+                  <c:v>39173</c:v>
+                </c:pt>
+                <c:pt idx="64">
+                  <c:v>39203</c:v>
+                </c:pt>
+                <c:pt idx="65">
+                  <c:v>39234</c:v>
+                </c:pt>
+                <c:pt idx="66">
+                  <c:v>39264</c:v>
+                </c:pt>
+                <c:pt idx="67">
+                  <c:v>39295</c:v>
+                </c:pt>
+                <c:pt idx="68">
+                  <c:v>39326</c:v>
+                </c:pt>
+                <c:pt idx="69">
+                  <c:v>39356</c:v>
+                </c:pt>
+                <c:pt idx="70">
+                  <c:v>39387</c:v>
+                </c:pt>
+                <c:pt idx="71">
+                  <c:v>39417</c:v>
+                </c:pt>
+                <c:pt idx="72">
+                  <c:v>39448</c:v>
+                </c:pt>
+                <c:pt idx="73">
+                  <c:v>39479</c:v>
+                </c:pt>
+                <c:pt idx="74">
+                  <c:v>39508</c:v>
+                </c:pt>
+                <c:pt idx="75">
+                  <c:v>39539</c:v>
+                </c:pt>
+                <c:pt idx="76">
+                  <c:v>39569</c:v>
+                </c:pt>
+                <c:pt idx="77">
+                  <c:v>39600</c:v>
+                </c:pt>
+                <c:pt idx="78">
+                  <c:v>39630</c:v>
+                </c:pt>
+                <c:pt idx="79">
+                  <c:v>39661</c:v>
+                </c:pt>
+                <c:pt idx="80">
+                  <c:v>39692</c:v>
+                </c:pt>
+                <c:pt idx="81">
+                  <c:v>39722</c:v>
+                </c:pt>
+                <c:pt idx="82">
+                  <c:v>39753</c:v>
+                </c:pt>
+                <c:pt idx="83">
+                  <c:v>39783</c:v>
+                </c:pt>
+                <c:pt idx="84">
+                  <c:v>39814</c:v>
+                </c:pt>
+                <c:pt idx="85">
+                  <c:v>39845</c:v>
+                </c:pt>
+                <c:pt idx="86">
+                  <c:v>39873</c:v>
+                </c:pt>
+                <c:pt idx="87">
+                  <c:v>39904</c:v>
+                </c:pt>
+                <c:pt idx="88">
+                  <c:v>39934</c:v>
+                </c:pt>
+                <c:pt idx="89">
+                  <c:v>39965</c:v>
+                </c:pt>
+                <c:pt idx="90">
+                  <c:v>39995</c:v>
+                </c:pt>
+                <c:pt idx="91">
+                  <c:v>40026</c:v>
+                </c:pt>
+                <c:pt idx="92">
+                  <c:v>40057</c:v>
+                </c:pt>
+                <c:pt idx="93">
+                  <c:v>40087</c:v>
+                </c:pt>
+                <c:pt idx="94">
+                  <c:v>40118</c:v>
+                </c:pt>
+                <c:pt idx="95">
+                  <c:v>40148</c:v>
+                </c:pt>
+                <c:pt idx="96">
+                  <c:v>40179</c:v>
+                </c:pt>
+                <c:pt idx="97">
+                  <c:v>40210</c:v>
+                </c:pt>
+                <c:pt idx="98">
+                  <c:v>40238</c:v>
+                </c:pt>
+                <c:pt idx="99">
+                  <c:v>40269</c:v>
+                </c:pt>
+                <c:pt idx="100">
+                  <c:v>40299</c:v>
+                </c:pt>
+                <c:pt idx="101">
+                  <c:v>40330</c:v>
+                </c:pt>
+                <c:pt idx="102">
+                  <c:v>40360</c:v>
+                </c:pt>
+                <c:pt idx="103">
+                  <c:v>40391</c:v>
+                </c:pt>
+                <c:pt idx="104">
+                  <c:v>40422</c:v>
+                </c:pt>
+                <c:pt idx="105">
+                  <c:v>40452</c:v>
+                </c:pt>
+                <c:pt idx="106">
+                  <c:v>40483</c:v>
+                </c:pt>
+                <c:pt idx="107">
+                  <c:v>40513</c:v>
+                </c:pt>
+                <c:pt idx="108">
+                  <c:v>40544</c:v>
+                </c:pt>
+                <c:pt idx="109">
+                  <c:v>40575</c:v>
+                </c:pt>
+                <c:pt idx="110">
+                  <c:v>40603</c:v>
+                </c:pt>
+                <c:pt idx="111">
+                  <c:v>40634</c:v>
+                </c:pt>
+                <c:pt idx="112">
+                  <c:v>40664</c:v>
+                </c:pt>
+                <c:pt idx="113">
+                  <c:v>40695</c:v>
+                </c:pt>
+                <c:pt idx="114">
+                  <c:v>40725</c:v>
+                </c:pt>
+                <c:pt idx="115">
+                  <c:v>40756</c:v>
+                </c:pt>
+                <c:pt idx="116">
+                  <c:v>40787</c:v>
+                </c:pt>
+                <c:pt idx="117">
+                  <c:v>40817</c:v>
+                </c:pt>
+                <c:pt idx="118">
+                  <c:v>40848</c:v>
+                </c:pt>
+                <c:pt idx="119">
+                  <c:v>40878</c:v>
+                </c:pt>
+                <c:pt idx="120">
+                  <c:v>40909</c:v>
+                </c:pt>
+                <c:pt idx="121">
+                  <c:v>40940</c:v>
+                </c:pt>
+                <c:pt idx="122">
+                  <c:v>40969</c:v>
+                </c:pt>
+                <c:pt idx="123">
+                  <c:v>41000</c:v>
+                </c:pt>
+                <c:pt idx="124">
+                  <c:v>41030</c:v>
+                </c:pt>
+                <c:pt idx="125">
+                  <c:v>41061</c:v>
+                </c:pt>
+                <c:pt idx="126">
+                  <c:v>41091</c:v>
+                </c:pt>
+                <c:pt idx="127">
+                  <c:v>41122</c:v>
+                </c:pt>
+                <c:pt idx="128">
+                  <c:v>41153</c:v>
+                </c:pt>
+                <c:pt idx="129">
+                  <c:v>41183</c:v>
+                </c:pt>
+                <c:pt idx="130">
+                  <c:v>41214</c:v>
+                </c:pt>
+                <c:pt idx="131">
+                  <c:v>41244</c:v>
+                </c:pt>
+                <c:pt idx="132">
+                  <c:v>41275</c:v>
+                </c:pt>
+                <c:pt idx="133">
+                  <c:v>41306</c:v>
+                </c:pt>
+                <c:pt idx="134">
+                  <c:v>41334</c:v>
+                </c:pt>
+                <c:pt idx="135">
+                  <c:v>41365</c:v>
+                </c:pt>
+                <c:pt idx="136">
+                  <c:v>41395</c:v>
+                </c:pt>
+                <c:pt idx="137">
+                  <c:v>41426</c:v>
+                </c:pt>
+                <c:pt idx="138">
+                  <c:v>41456</c:v>
+                </c:pt>
+                <c:pt idx="139">
+                  <c:v>41487</c:v>
+                </c:pt>
+                <c:pt idx="140">
+                  <c:v>41518</c:v>
+                </c:pt>
+                <c:pt idx="141">
+                  <c:v>41548</c:v>
+                </c:pt>
+                <c:pt idx="142">
+                  <c:v>41579</c:v>
+                </c:pt>
+                <c:pt idx="143">
+                  <c:v>41609</c:v>
+                </c:pt>
+                <c:pt idx="144">
+                  <c:v>41640</c:v>
+                </c:pt>
+                <c:pt idx="145">
+                  <c:v>41671</c:v>
+                </c:pt>
+                <c:pt idx="146">
+                  <c:v>41699</c:v>
+                </c:pt>
+                <c:pt idx="147">
+                  <c:v>41730</c:v>
+                </c:pt>
+                <c:pt idx="148">
+                  <c:v>41760</c:v>
+                </c:pt>
+                <c:pt idx="149">
+                  <c:v>41791</c:v>
+                </c:pt>
+                <c:pt idx="150">
+                  <c:v>41821</c:v>
+                </c:pt>
+                <c:pt idx="151">
+                  <c:v>41852</c:v>
+                </c:pt>
+                <c:pt idx="152">
+                  <c:v>41883</c:v>
+                </c:pt>
+                <c:pt idx="153">
+                  <c:v>41913</c:v>
+                </c:pt>
+                <c:pt idx="154">
+                  <c:v>41944</c:v>
+                </c:pt>
+                <c:pt idx="155">
+                  <c:v>41974</c:v>
+                </c:pt>
+                <c:pt idx="156">
+                  <c:v>42005</c:v>
+                </c:pt>
+                <c:pt idx="157">
+                  <c:v>42036</c:v>
+                </c:pt>
+                <c:pt idx="158">
+                  <c:v>42064</c:v>
+                </c:pt>
+                <c:pt idx="159">
+                  <c:v>42095</c:v>
+                </c:pt>
+                <c:pt idx="160">
+                  <c:v>42125</c:v>
+                </c:pt>
+                <c:pt idx="161">
+                  <c:v>42156</c:v>
+                </c:pt>
+                <c:pt idx="162">
+                  <c:v>42186</c:v>
+                </c:pt>
+                <c:pt idx="163">
+                  <c:v>42217</c:v>
+                </c:pt>
+                <c:pt idx="164">
+                  <c:v>42248</c:v>
+                </c:pt>
+                <c:pt idx="165">
+                  <c:v>42278</c:v>
+                </c:pt>
+                <c:pt idx="166">
+                  <c:v>42309</c:v>
+                </c:pt>
+                <c:pt idx="167">
+                  <c:v>42339</c:v>
+                </c:pt>
+                <c:pt idx="168">
+                  <c:v>42370</c:v>
+                </c:pt>
+                <c:pt idx="169">
+                  <c:v>42401</c:v>
+                </c:pt>
+                <c:pt idx="170">
+                  <c:v>42430</c:v>
+                </c:pt>
+                <c:pt idx="171">
+                  <c:v>42461</c:v>
+                </c:pt>
+                <c:pt idx="172">
+                  <c:v>42491</c:v>
+                </c:pt>
+                <c:pt idx="173">
+                  <c:v>42522</c:v>
+                </c:pt>
+                <c:pt idx="174">
+                  <c:v>42552</c:v>
+                </c:pt>
+                <c:pt idx="175">
+                  <c:v>42583</c:v>
+                </c:pt>
+                <c:pt idx="176">
+                  <c:v>42614</c:v>
+                </c:pt>
+                <c:pt idx="177">
+                  <c:v>42644</c:v>
+                </c:pt>
+                <c:pt idx="178">
+                  <c:v>42675</c:v>
+                </c:pt>
+                <c:pt idx="179">
+                  <c:v>42705</c:v>
+                </c:pt>
+                <c:pt idx="180">
+                  <c:v>42736</c:v>
+                </c:pt>
+                <c:pt idx="181">
+                  <c:v>42767</c:v>
+                </c:pt>
+                <c:pt idx="182">
+                  <c:v>42795</c:v>
+                </c:pt>
+                <c:pt idx="183">
+                  <c:v>42826</c:v>
+                </c:pt>
+                <c:pt idx="184">
+                  <c:v>42856</c:v>
+                </c:pt>
+                <c:pt idx="185">
+                  <c:v>42887</c:v>
+                </c:pt>
+                <c:pt idx="186">
+                  <c:v>42917</c:v>
+                </c:pt>
+                <c:pt idx="187">
+                  <c:v>42948</c:v>
+                </c:pt>
+                <c:pt idx="188">
+                  <c:v>42979</c:v>
+                </c:pt>
+                <c:pt idx="189">
+                  <c:v>43009</c:v>
+                </c:pt>
+                <c:pt idx="190">
+                  <c:v>43040</c:v>
+                </c:pt>
+                <c:pt idx="191">
+                  <c:v>43070</c:v>
+                </c:pt>
+                <c:pt idx="192">
+                  <c:v>43101</c:v>
+                </c:pt>
+                <c:pt idx="193">
+                  <c:v>43132</c:v>
+                </c:pt>
+                <c:pt idx="194">
+                  <c:v>43160</c:v>
+                </c:pt>
+                <c:pt idx="195">
+                  <c:v>43191</c:v>
+                </c:pt>
+                <c:pt idx="196">
+                  <c:v>43221</c:v>
+                </c:pt>
+                <c:pt idx="197">
+                  <c:v>43252</c:v>
+                </c:pt>
+                <c:pt idx="198">
+                  <c:v>43282</c:v>
+                </c:pt>
+                <c:pt idx="199">
+                  <c:v>43313</c:v>
+                </c:pt>
+                <c:pt idx="200">
+                  <c:v>43344</c:v>
+                </c:pt>
+                <c:pt idx="201">
+                  <c:v>43374</c:v>
+                </c:pt>
+                <c:pt idx="202">
+                  <c:v>43405</c:v>
+                </c:pt>
+                <c:pt idx="203">
+                  <c:v>43435</c:v>
+                </c:pt>
+                <c:pt idx="204">
+                  <c:v>43466</c:v>
+                </c:pt>
+                <c:pt idx="205">
+                  <c:v>43497</c:v>
+                </c:pt>
+                <c:pt idx="206">
+                  <c:v>43525</c:v>
+                </c:pt>
+                <c:pt idx="207">
+                  <c:v>43556</c:v>
+                </c:pt>
+                <c:pt idx="208">
+                  <c:v>43586</c:v>
+                </c:pt>
+                <c:pt idx="209">
+                  <c:v>43617</c:v>
+                </c:pt>
+                <c:pt idx="210">
+                  <c:v>43647</c:v>
+                </c:pt>
+                <c:pt idx="211">
+                  <c:v>43678</c:v>
+                </c:pt>
+                <c:pt idx="212">
+                  <c:v>43709</c:v>
+                </c:pt>
+                <c:pt idx="213">
+                  <c:v>43739</c:v>
+                </c:pt>
+                <c:pt idx="214">
+                  <c:v>43770</c:v>
+                </c:pt>
+                <c:pt idx="215">
+                  <c:v>43800</c:v>
+                </c:pt>
+                <c:pt idx="216">
+                  <c:v>43831</c:v>
+                </c:pt>
+                <c:pt idx="217">
+                  <c:v>43862</c:v>
+                </c:pt>
+                <c:pt idx="218">
+                  <c:v>43891</c:v>
+                </c:pt>
+                <c:pt idx="219">
+                  <c:v>43922</c:v>
+                </c:pt>
+                <c:pt idx="220">
+                  <c:v>43952</c:v>
+                </c:pt>
+                <c:pt idx="221">
+                  <c:v>43983</c:v>
+                </c:pt>
+                <c:pt idx="222">
+                  <c:v>44013</c:v>
+                </c:pt>
+                <c:pt idx="223">
+                  <c:v>44044</c:v>
+                </c:pt>
+                <c:pt idx="224">
+                  <c:v>44075</c:v>
+                </c:pt>
+                <c:pt idx="225">
+                  <c:v>44105</c:v>
+                </c:pt>
+                <c:pt idx="226">
+                  <c:v>44136</c:v>
+                </c:pt>
+                <c:pt idx="227">
+                  <c:v>44166</c:v>
+                </c:pt>
+                <c:pt idx="228">
+                  <c:v>44197</c:v>
+                </c:pt>
+                <c:pt idx="229">
+                  <c:v>44228</c:v>
+                </c:pt>
+                <c:pt idx="230">
+                  <c:v>44256</c:v>
+                </c:pt>
+                <c:pt idx="231">
+                  <c:v>44287</c:v>
+                </c:pt>
+                <c:pt idx="232">
+                  <c:v>44317</c:v>
+                </c:pt>
+                <c:pt idx="233">
+                  <c:v>44348</c:v>
+                </c:pt>
+                <c:pt idx="234">
+                  <c:v>44378</c:v>
+                </c:pt>
+                <c:pt idx="235">
+                  <c:v>44409</c:v>
+                </c:pt>
+                <c:pt idx="236">
+                  <c:v>44440</c:v>
+                </c:pt>
+                <c:pt idx="237">
+                  <c:v>44470</c:v>
+                </c:pt>
+                <c:pt idx="238">
+                  <c:v>44501</c:v>
+                </c:pt>
+                <c:pt idx="239">
+                  <c:v>44531</c:v>
+                </c:pt>
+                <c:pt idx="240">
+                  <c:v>44562</c:v>
+                </c:pt>
+                <c:pt idx="241">
+                  <c:v>44593</c:v>
+                </c:pt>
+                <c:pt idx="242">
+                  <c:v>44621</c:v>
+                </c:pt>
+                <c:pt idx="243">
+                  <c:v>44652</c:v>
+                </c:pt>
+                <c:pt idx="244">
+                  <c:v>44682</c:v>
+                </c:pt>
+                <c:pt idx="245">
+                  <c:v>44713</c:v>
+                </c:pt>
+                <c:pt idx="246">
+                  <c:v>44743</c:v>
+                </c:pt>
+                <c:pt idx="247">
+                  <c:v>44774</c:v>
+                </c:pt>
+                <c:pt idx="248">
+                  <c:v>44805</c:v>
+                </c:pt>
+                <c:pt idx="249">
+                  <c:v>44835</c:v>
+                </c:pt>
+                <c:pt idx="250">
+                  <c:v>44866</c:v>
+                </c:pt>
+                <c:pt idx="251">
+                  <c:v>44896</c:v>
+                </c:pt>
+                <c:pt idx="252">
+                  <c:v>44927</c:v>
+                </c:pt>
+                <c:pt idx="253">
+                  <c:v>44958</c:v>
+                </c:pt>
+                <c:pt idx="254">
+                  <c:v>44986</c:v>
+                </c:pt>
+              </c:numCache>
+            </c:numRef>
+          </c:cat>
+          <c:val>
+            <c:numRef>
+              <c:f>Sheet1!$B$2:$B$256</c:f>
+              <c:numCache>
+                <c:formatCode>0.00%</c:formatCode>
+                <c:ptCount val="255"/>
+                <c:pt idx="0">
+                  <c:v>5.04E-2</c:v>
+                </c:pt>
+                <c:pt idx="1">
+                  <c:v>4.9100000000000005E-2</c:v>
+                </c:pt>
+                <c:pt idx="2">
+                  <c:v>5.28E-2</c:v>
+                </c:pt>
+                <c:pt idx="3">
+                  <c:v>5.21E-2</c:v>
+                </c:pt>
+                <c:pt idx="4">
+                  <c:v>5.16E-2</c:v>
+                </c:pt>
+                <c:pt idx="5">
+                  <c:v>4.9299999999999997E-2</c:v>
+                </c:pt>
+                <c:pt idx="6">
+                  <c:v>4.6500000000000007E-2</c:v>
+                </c:pt>
+                <c:pt idx="7">
+                  <c:v>4.2599999999999999E-2</c:v>
+                </c:pt>
+                <c:pt idx="8">
+                  <c:v>3.8699999999999998E-2</c:v>
+                </c:pt>
+                <c:pt idx="9">
+                  <c:v>3.9399999999999998E-2</c:v>
+                </c:pt>
+                <c:pt idx="10">
+                  <c:v>4.0500000000000001E-2</c:v>
+                </c:pt>
+                <c:pt idx="11">
+                  <c:v>4.0300000000000002E-2</c:v>
+                </c:pt>
+                <c:pt idx="12">
+                  <c:v>4.0500000000000001E-2</c:v>
+                </c:pt>
+                <c:pt idx="13">
+                  <c:v>3.9E-2</c:v>
+                </c:pt>
+                <c:pt idx="14">
+                  <c:v>3.8100000000000002E-2</c:v>
+                </c:pt>
+                <c:pt idx="15">
+                  <c:v>3.9599999999999996E-2</c:v>
+                </c:pt>
+                <c:pt idx="16">
+                  <c:v>3.5699999999999996E-2</c:v>
+                </c:pt>
+                <c:pt idx="17">
+                  <c:v>3.3300000000000003E-2</c:v>
+                </c:pt>
+                <c:pt idx="18">
+                  <c:v>3.9800000000000002E-2</c:v>
+                </c:pt>
+                <c:pt idx="19">
+                  <c:v>4.4500000000000005E-2</c:v>
+                </c:pt>
+                <c:pt idx="20">
+                  <c:v>4.2699999999999995E-2</c:v>
+                </c:pt>
+                <c:pt idx="21">
+                  <c:v>4.2900000000000001E-2</c:v>
+                </c:pt>
+                <c:pt idx="22">
+                  <c:v>4.2999999999999997E-2</c:v>
+                </c:pt>
+                <c:pt idx="23">
+                  <c:v>4.2699999999999995E-2</c:v>
+                </c:pt>
+                <c:pt idx="24">
+                  <c:v>4.1500000000000002E-2</c:v>
+                </c:pt>
+                <c:pt idx="25">
+                  <c:v>4.0800000000000003E-2</c:v>
+                </c:pt>
+                <c:pt idx="26">
+                  <c:v>3.8300000000000001E-2</c:v>
+                </c:pt>
+                <c:pt idx="27">
+                  <c:v>4.3499999999999997E-2</c:v>
+                </c:pt>
+                <c:pt idx="28">
+                  <c:v>4.7199999999999999E-2</c:v>
+                </c:pt>
+                <c:pt idx="29">
+                  <c:v>4.7300000000000002E-2</c:v>
+                </c:pt>
+                <c:pt idx="30">
+                  <c:v>4.4999999999999998E-2</c:v>
+                </c:pt>
+                <c:pt idx="31">
+                  <c:v>4.2800000000000005E-2</c:v>
+                </c:pt>
+                <c:pt idx="32">
+                  <c:v>4.1299999999999996E-2</c:v>
+                </c:pt>
+                <c:pt idx="33">
+                  <c:v>4.0999999999999995E-2</c:v>
+                </c:pt>
+                <c:pt idx="34">
+                  <c:v>4.1900000000000007E-2</c:v>
+                </c:pt>
+                <c:pt idx="35">
+                  <c:v>4.2300000000000004E-2</c:v>
+                </c:pt>
+                <c:pt idx="36">
+                  <c:v>4.2199999999999994E-2</c:v>
+                </c:pt>
+                <c:pt idx="37">
+                  <c:v>4.1700000000000001E-2</c:v>
+                </c:pt>
+                <c:pt idx="38">
+                  <c:v>4.4999999999999998E-2</c:v>
+                </c:pt>
+                <c:pt idx="39">
+                  <c:v>4.3400000000000001E-2</c:v>
+                </c:pt>
+                <c:pt idx="40">
+                  <c:v>4.1399999999999999E-2</c:v>
+                </c:pt>
+                <c:pt idx="41">
+                  <c:v>0.04</c:v>
+                </c:pt>
+                <c:pt idx="42">
+                  <c:v>4.1799999999999997E-2</c:v>
+                </c:pt>
+                <c:pt idx="43">
+                  <c:v>4.2599999999999999E-2</c:v>
+                </c:pt>
+                <c:pt idx="44">
+                  <c:v>4.2000000000000003E-2</c:v>
+                </c:pt>
+                <c:pt idx="45">
+                  <c:v>4.4600000000000001E-2</c:v>
+                </c:pt>
+                <c:pt idx="46">
+                  <c:v>4.5400000000000003E-2</c:v>
+                </c:pt>
+                <c:pt idx="47">
+                  <c:v>4.4699999999999997E-2</c:v>
+                </c:pt>
+                <c:pt idx="48">
+                  <c:v>4.4199999999999996E-2</c:v>
+                </c:pt>
+                <c:pt idx="49">
+                  <c:v>4.5700000000000005E-2</c:v>
+                </c:pt>
+                <c:pt idx="50">
+                  <c:v>4.7199999999999999E-2</c:v>
+                </c:pt>
+                <c:pt idx="51">
+                  <c:v>4.99E-2</c:v>
+                </c:pt>
+                <c:pt idx="52">
+                  <c:v>5.1100000000000007E-2</c:v>
+                </c:pt>
+                <c:pt idx="53">
+                  <c:v>5.1100000000000007E-2</c:v>
+                </c:pt>
+                <c:pt idx="54">
+                  <c:v>5.0900000000000001E-2</c:v>
+                </c:pt>
+                <c:pt idx="55">
+                  <c:v>4.8799999999999996E-2</c:v>
+                </c:pt>
+                <c:pt idx="56">
+                  <c:v>4.7199999999999999E-2</c:v>
+                </c:pt>
+                <c:pt idx="57">
+                  <c:v>4.7300000000000002E-2</c:v>
+                </c:pt>
+                <c:pt idx="58">
+                  <c:v>4.5999999999999999E-2</c:v>
+                </c:pt>
+                <c:pt idx="59">
+                  <c:v>4.5599999999999995E-2</c:v>
+                </c:pt>
+                <c:pt idx="60">
+                  <c:v>4.7599999999999996E-2</c:v>
+                </c:pt>
+                <c:pt idx="61">
+                  <c:v>4.7199999999999999E-2</c:v>
+                </c:pt>
+                <c:pt idx="62">
+                  <c:v>4.5599999999999995E-2</c:v>
+                </c:pt>
+                <c:pt idx="63">
+                  <c:v>4.6900000000000004E-2</c:v>
+                </c:pt>
+                <c:pt idx="64">
+                  <c:v>4.7500000000000001E-2</c:v>
+                </c:pt>
+                <c:pt idx="65">
+                  <c:v>5.0999999999999997E-2</c:v>
+                </c:pt>
+                <c:pt idx="66">
+                  <c:v>0.05</c:v>
+                </c:pt>
+                <c:pt idx="67">
+                  <c:v>4.6699999999999998E-2</c:v>
+                </c:pt>
+                <c:pt idx="68">
+                  <c:v>4.5199999999999997E-2</c:v>
+                </c:pt>
+                <c:pt idx="69">
+                  <c:v>4.53E-2</c:v>
+                </c:pt>
+                <c:pt idx="70">
+                  <c:v>4.1500000000000002E-2</c:v>
+                </c:pt>
+                <c:pt idx="71">
+                  <c:v>4.0999999999999995E-2</c:v>
+                </c:pt>
+                <c:pt idx="72">
+                  <c:v>3.7400000000000003E-2</c:v>
+                </c:pt>
+                <c:pt idx="73">
+                  <c:v>3.7400000000000003E-2</c:v>
+                </c:pt>
+                <c:pt idx="74">
+                  <c:v>3.5099999999999999E-2</c:v>
+                </c:pt>
+                <c:pt idx="75">
+                  <c:v>3.6799999999999999E-2</c:v>
+                </c:pt>
+                <c:pt idx="76">
+                  <c:v>3.8800000000000001E-2</c:v>
+                </c:pt>
+                <c:pt idx="77">
+                  <c:v>4.0999999999999995E-2</c:v>
+                </c:pt>
+                <c:pt idx="78">
+                  <c:v>4.0099999999999997E-2</c:v>
+                </c:pt>
+                <c:pt idx="79">
+                  <c:v>3.8900000000000004E-2</c:v>
+                </c:pt>
+                <c:pt idx="80">
+                  <c:v>3.6900000000000002E-2</c:v>
+                </c:pt>
+                <c:pt idx="81">
+                  <c:v>3.8100000000000002E-2</c:v>
+                </c:pt>
+                <c:pt idx="82">
+                  <c:v>3.5299999999999998E-2</c:v>
+                </c:pt>
+                <c:pt idx="83">
+                  <c:v>2.4199999999999999E-2</c:v>
+                </c:pt>
+                <c:pt idx="84">
+                  <c:v>2.52E-2</c:v>
+                </c:pt>
+                <c:pt idx="85">
+                  <c:v>2.87E-2</c:v>
+                </c:pt>
+                <c:pt idx="86">
+                  <c:v>2.8199999999999999E-2</c:v>
+                </c:pt>
+                <c:pt idx="87">
+                  <c:v>2.9300000000000003E-2</c:v>
+                </c:pt>
+                <c:pt idx="88">
+                  <c:v>3.2899999999999999E-2</c:v>
+                </c:pt>
+                <c:pt idx="89">
+                  <c:v>3.7200000000000004E-2</c:v>
+                </c:pt>
+                <c:pt idx="90">
+                  <c:v>3.56E-2</c:v>
+                </c:pt>
+                <c:pt idx="91">
+                  <c:v>3.5900000000000001E-2</c:v>
+                </c:pt>
+                <c:pt idx="92">
+                  <c:v>3.4000000000000002E-2</c:v>
+                </c:pt>
+                <c:pt idx="93">
+                  <c:v>3.39E-2</c:v>
+                </c:pt>
+                <c:pt idx="94">
+                  <c:v>3.4000000000000002E-2</c:v>
+                </c:pt>
+                <c:pt idx="95">
+                  <c:v>3.5900000000000001E-2</c:v>
+                </c:pt>
+                <c:pt idx="96">
+                  <c:v>3.73E-2</c:v>
+                </c:pt>
+                <c:pt idx="97">
+                  <c:v>3.6900000000000002E-2</c:v>
+                </c:pt>
+                <c:pt idx="98">
+                  <c:v>3.73E-2</c:v>
+                </c:pt>
+                <c:pt idx="99">
+                  <c:v>3.85E-2</c:v>
+                </c:pt>
+                <c:pt idx="100">
+                  <c:v>3.4200000000000001E-2</c:v>
+                </c:pt>
+                <c:pt idx="101">
+                  <c:v>3.2000000000000001E-2</c:v>
+                </c:pt>
+                <c:pt idx="102">
+                  <c:v>3.0099999999999998E-2</c:v>
+                </c:pt>
+                <c:pt idx="103">
+                  <c:v>2.7000000000000003E-2</c:v>
+                </c:pt>
+                <c:pt idx="104">
+                  <c:v>2.6499999999999999E-2</c:v>
+                </c:pt>
+                <c:pt idx="105">
+                  <c:v>2.5399999999999999E-2</c:v>
+                </c:pt>
+                <c:pt idx="106">
+                  <c:v>2.76E-2</c:v>
+                </c:pt>
+                <c:pt idx="107">
+                  <c:v>3.2899999999999999E-2</c:v>
+                </c:pt>
+                <c:pt idx="108">
+                  <c:v>3.39E-2</c:v>
+                </c:pt>
+                <c:pt idx="109">
+                  <c:v>3.5799999999999998E-2</c:v>
+                </c:pt>
+                <c:pt idx="110">
+                  <c:v>3.4099999999999998E-2</c:v>
+                </c:pt>
+                <c:pt idx="111">
+                  <c:v>3.4599999999999999E-2</c:v>
+                </c:pt>
+                <c:pt idx="112">
+                  <c:v>3.1699999999999999E-2</c:v>
+                </c:pt>
+                <c:pt idx="113">
+                  <c:v>0.03</c:v>
+                </c:pt>
+                <c:pt idx="114">
+                  <c:v>0.03</c:v>
+                </c:pt>
+                <c:pt idx="115">
+                  <c:v>2.3E-2</c:v>
+                </c:pt>
+                <c:pt idx="116">
+                  <c:v>1.9799999999999998E-2</c:v>
+                </c:pt>
+                <c:pt idx="117">
+                  <c:v>2.1499999999999998E-2</c:v>
+                </c:pt>
+                <c:pt idx="118">
+                  <c:v>2.0099999999999996E-2</c:v>
+                </c:pt>
+                <c:pt idx="119">
+                  <c:v>1.9799999999999998E-2</c:v>
+                </c:pt>
+                <c:pt idx="120">
+                  <c:v>1.9699999999999999E-2</c:v>
+                </c:pt>
+                <c:pt idx="121">
+                  <c:v>1.9699999999999999E-2</c:v>
+                </c:pt>
+                <c:pt idx="122">
+                  <c:v>2.1700000000000001E-2</c:v>
+                </c:pt>
+                <c:pt idx="123">
+                  <c:v>2.0499999999999997E-2</c:v>
+                </c:pt>
+                <c:pt idx="124">
+                  <c:v>1.8000000000000002E-2</c:v>
+                </c:pt>
+                <c:pt idx="125">
+                  <c:v>1.6200000000000003E-2</c:v>
+                </c:pt>
+                <c:pt idx="126">
+                  <c:v>1.5300000000000001E-2</c:v>
+                </c:pt>
+                <c:pt idx="127">
+                  <c:v>1.6799999999999999E-2</c:v>
+                </c:pt>
+                <c:pt idx="128">
+                  <c:v>1.72E-2</c:v>
+                </c:pt>
+                <c:pt idx="129">
+                  <c:v>1.7500000000000002E-2</c:v>
+                </c:pt>
+                <c:pt idx="130">
+                  <c:v>1.6500000000000001E-2</c:v>
+                </c:pt>
+                <c:pt idx="131">
+                  <c:v>1.72E-2</c:v>
+                </c:pt>
+                <c:pt idx="132">
+                  <c:v>1.9099999999999999E-2</c:v>
+                </c:pt>
+                <c:pt idx="133">
+                  <c:v>1.9799999999999998E-2</c:v>
+                </c:pt>
+                <c:pt idx="134">
+                  <c:v>1.9599999999999999E-2</c:v>
+                </c:pt>
+                <c:pt idx="135">
+                  <c:v>1.7600000000000001E-2</c:v>
+                </c:pt>
+                <c:pt idx="136">
+                  <c:v>1.9299999999999998E-2</c:v>
+                </c:pt>
+                <c:pt idx="137">
+                  <c:v>2.3E-2</c:v>
+                </c:pt>
+                <c:pt idx="138">
+                  <c:v>2.58E-2</c:v>
+                </c:pt>
+                <c:pt idx="139">
+                  <c:v>2.7400000000000001E-2</c:v>
+                </c:pt>
+                <c:pt idx="140">
+                  <c:v>2.81E-2</c:v>
+                </c:pt>
+                <c:pt idx="141">
+                  <c:v>2.6200000000000001E-2</c:v>
+                </c:pt>
+                <c:pt idx="142">
+                  <c:v>2.7200000000000002E-2</c:v>
+                </c:pt>
+                <c:pt idx="143">
+                  <c:v>2.8999999999999998E-2</c:v>
+                </c:pt>
+                <c:pt idx="144">
+                  <c:v>2.86E-2</c:v>
+                </c:pt>
+                <c:pt idx="145">
+                  <c:v>2.7099999999999999E-2</c:v>
+                </c:pt>
+                <c:pt idx="146">
+                  <c:v>2.7200000000000002E-2</c:v>
+                </c:pt>
+                <c:pt idx="147">
+                  <c:v>2.7099999999999999E-2</c:v>
+                </c:pt>
+                <c:pt idx="148">
+                  <c:v>2.5600000000000001E-2</c:v>
+                </c:pt>
+                <c:pt idx="149">
+                  <c:v>2.6000000000000002E-2</c:v>
+                </c:pt>
+                <c:pt idx="150">
+                  <c:v>2.5399999999999999E-2</c:v>
+                </c:pt>
+                <c:pt idx="151">
+                  <c:v>2.4199999999999999E-2</c:v>
+                </c:pt>
+                <c:pt idx="152">
+                  <c:v>2.53E-2</c:v>
+                </c:pt>
+                <c:pt idx="153">
+                  <c:v>2.3E-2</c:v>
+                </c:pt>
+                <c:pt idx="154">
+                  <c:v>2.3300000000000001E-2</c:v>
+                </c:pt>
+                <c:pt idx="155">
+                  <c:v>2.2099999999999998E-2</c:v>
+                </c:pt>
+                <c:pt idx="156">
+                  <c:v>1.8799999999999997E-2</c:v>
+                </c:pt>
+                <c:pt idx="157">
+                  <c:v>1.9799999999999998E-2</c:v>
+                </c:pt>
+                <c:pt idx="158">
+                  <c:v>2.0400000000000001E-2</c:v>
+                </c:pt>
+                <c:pt idx="159">
+                  <c:v>1.9400000000000001E-2</c:v>
+                </c:pt>
+                <c:pt idx="160">
+                  <c:v>2.2000000000000002E-2</c:v>
+                </c:pt>
+                <c:pt idx="161">
+                  <c:v>2.3599999999999999E-2</c:v>
+                </c:pt>
+                <c:pt idx="162">
+                  <c:v>2.3199999999999998E-2</c:v>
+                </c:pt>
+                <c:pt idx="163">
+                  <c:v>2.1700000000000001E-2</c:v>
+                </c:pt>
+                <c:pt idx="164">
+                  <c:v>2.1700000000000001E-2</c:v>
+                </c:pt>
+                <c:pt idx="165">
+                  <c:v>2.07E-2</c:v>
+                </c:pt>
+                <c:pt idx="166">
+                  <c:v>2.2599999999999999E-2</c:v>
+                </c:pt>
+                <c:pt idx="167">
+                  <c:v>2.2400000000000003E-2</c:v>
+                </c:pt>
+                <c:pt idx="168">
+                  <c:v>2.0899999999999998E-2</c:v>
+                </c:pt>
+                <c:pt idx="169">
+                  <c:v>1.78E-2</c:v>
+                </c:pt>
+                <c:pt idx="170">
+                  <c:v>1.89E-2</c:v>
+                </c:pt>
+                <c:pt idx="171">
+                  <c:v>1.8100000000000002E-2</c:v>
+                </c:pt>
+                <c:pt idx="172">
+                  <c:v>1.8100000000000002E-2</c:v>
+                </c:pt>
+                <c:pt idx="173">
+                  <c:v>1.6399999999999998E-2</c:v>
+                </c:pt>
+                <c:pt idx="174">
+                  <c:v>1.4999999999999999E-2</c:v>
+                </c:pt>
+                <c:pt idx="175">
+                  <c:v>1.5600000000000001E-2</c:v>
+                </c:pt>
+                <c:pt idx="176">
+                  <c:v>1.6299999999999999E-2</c:v>
+                </c:pt>
+                <c:pt idx="177">
+                  <c:v>1.7600000000000001E-2</c:v>
+                </c:pt>
+                <c:pt idx="178">
+                  <c:v>2.1400000000000002E-2</c:v>
+                </c:pt>
+                <c:pt idx="179">
+                  <c:v>2.4900000000000002E-2</c:v>
+                </c:pt>
+                <c:pt idx="180">
+                  <c:v>2.4300000000000002E-2</c:v>
+                </c:pt>
+                <c:pt idx="181">
+                  <c:v>2.4199999999999999E-2</c:v>
+                </c:pt>
+                <c:pt idx="182">
+                  <c:v>2.4799999999999999E-2</c:v>
+                </c:pt>
+                <c:pt idx="183">
+                  <c:v>2.3E-2</c:v>
+                </c:pt>
+                <c:pt idx="184">
+                  <c:v>2.3E-2</c:v>
+                </c:pt>
+                <c:pt idx="185">
+                  <c:v>2.1899999999999999E-2</c:v>
+                </c:pt>
+                <c:pt idx="186">
+                  <c:v>2.3199999999999998E-2</c:v>
+                </c:pt>
+                <c:pt idx="187">
+                  <c:v>2.2099999999999998E-2</c:v>
+                </c:pt>
+                <c:pt idx="188">
+                  <c:v>2.2000000000000002E-2</c:v>
+                </c:pt>
+                <c:pt idx="189">
+                  <c:v>2.3599999999999999E-2</c:v>
+                </c:pt>
+                <c:pt idx="190">
+                  <c:v>2.35E-2</c:v>
+                </c:pt>
+                <c:pt idx="191">
+                  <c:v>2.4E-2</c:v>
+                </c:pt>
+                <c:pt idx="192">
+                  <c:v>2.58E-2</c:v>
+                </c:pt>
+                <c:pt idx="193">
+                  <c:v>2.86E-2</c:v>
+                </c:pt>
+                <c:pt idx="194">
+                  <c:v>2.8399999999999998E-2</c:v>
+                </c:pt>
+                <c:pt idx="195">
+                  <c:v>2.87E-2</c:v>
+                </c:pt>
+                <c:pt idx="196">
+                  <c:v>2.98E-2</c:v>
+                </c:pt>
+                <c:pt idx="197">
+                  <c:v>2.9100000000000001E-2</c:v>
+                </c:pt>
+                <c:pt idx="198">
+                  <c:v>2.8900000000000002E-2</c:v>
+                </c:pt>
+                <c:pt idx="199">
+                  <c:v>2.8900000000000002E-2</c:v>
+                </c:pt>
+                <c:pt idx="200">
+                  <c:v>0.03</c:v>
+                </c:pt>
+                <c:pt idx="201">
+                  <c:v>3.15E-2</c:v>
+                </c:pt>
+                <c:pt idx="202">
+                  <c:v>3.1200000000000002E-2</c:v>
+                </c:pt>
+                <c:pt idx="203">
+                  <c:v>2.8300000000000002E-2</c:v>
+                </c:pt>
+                <c:pt idx="204">
+                  <c:v>2.7099999999999999E-2</c:v>
+                </c:pt>
+                <c:pt idx="205">
+                  <c:v>2.6800000000000001E-2</c:v>
+                </c:pt>
+                <c:pt idx="206">
+                  <c:v>2.5699999999999997E-2</c:v>
+                </c:pt>
+                <c:pt idx="207">
+                  <c:v>2.53E-2</c:v>
+                </c:pt>
+                <c:pt idx="208">
+                  <c:v>2.4E-2</c:v>
+                </c:pt>
+                <c:pt idx="209">
+                  <c:v>2.07E-2</c:v>
+                </c:pt>
+                <c:pt idx="210">
+                  <c:v>2.06E-2</c:v>
+                </c:pt>
+                <c:pt idx="211">
+                  <c:v>1.6299999999999999E-2</c:v>
+                </c:pt>
+                <c:pt idx="212">
+                  <c:v>1.7000000000000001E-2</c:v>
+                </c:pt>
+                <c:pt idx="213">
+                  <c:v>1.7100000000000001E-2</c:v>
+                </c:pt>
+                <c:pt idx="214">
+                  <c:v>1.8100000000000002E-2</c:v>
+                </c:pt>
+                <c:pt idx="215">
+                  <c:v>1.8600000000000002E-2</c:v>
+                </c:pt>
+                <c:pt idx="216">
+                  <c:v>1.7600000000000001E-2</c:v>
+                </c:pt>
+                <c:pt idx="217">
+                  <c:v>1.4999999999999999E-2</c:v>
+                </c:pt>
+                <c:pt idx="218">
+                  <c:v>8.6999999999999994E-3</c:v>
+                </c:pt>
+                <c:pt idx="219">
+                  <c:v>6.6E-3</c:v>
+                </c:pt>
+                <c:pt idx="220">
+                  <c:v>6.7000000000000002E-3</c:v>
+                </c:pt>
+                <c:pt idx="221">
+                  <c:v>7.3000000000000001E-3</c:v>
+                </c:pt>
+                <c:pt idx="222">
+                  <c:v>6.1999999999999998E-3</c:v>
+                </c:pt>
+                <c:pt idx="223">
+                  <c:v>6.5000000000000006E-3</c:v>
+                </c:pt>
+                <c:pt idx="224">
+                  <c:v>6.8000000000000005E-3</c:v>
+                </c:pt>
+                <c:pt idx="225">
+                  <c:v>7.9000000000000008E-3</c:v>
+                </c:pt>
+                <c:pt idx="226">
+                  <c:v>8.6999999999999994E-3</c:v>
+                </c:pt>
+                <c:pt idx="227">
+                  <c:v>9.300000000000001E-3</c:v>
+                </c:pt>
+                <c:pt idx="228">
+                  <c:v>1.0800000000000001E-2</c:v>
+                </c:pt>
+                <c:pt idx="229">
+                  <c:v>1.26E-2</c:v>
+                </c:pt>
+                <c:pt idx="230">
+                  <c:v>1.61E-2</c:v>
+                </c:pt>
+                <c:pt idx="231">
+                  <c:v>1.6399999999999998E-2</c:v>
+                </c:pt>
+                <c:pt idx="232">
+                  <c:v>1.6200000000000003E-2</c:v>
+                </c:pt>
+                <c:pt idx="233">
+                  <c:v>1.52E-2</c:v>
+                </c:pt>
+                <c:pt idx="234">
+                  <c:v>1.32E-2</c:v>
+                </c:pt>
+                <c:pt idx="235">
+                  <c:v>1.2800000000000001E-2</c:v>
+                </c:pt>
+                <c:pt idx="236">
+                  <c:v>1.37E-2</c:v>
+                </c:pt>
+                <c:pt idx="237">
+                  <c:v>1.5800000000000002E-2</c:v>
+                </c:pt>
+                <c:pt idx="238">
+                  <c:v>1.5600000000000001E-2</c:v>
+                </c:pt>
+                <c:pt idx="239">
+                  <c:v>1.47E-2</c:v>
+                </c:pt>
+                <c:pt idx="240">
+                  <c:v>1.7600000000000001E-2</c:v>
+                </c:pt>
+                <c:pt idx="241">
+                  <c:v>1.9299999999999998E-2</c:v>
+                </c:pt>
+                <c:pt idx="242">
+                  <c:v>2.1299999999999999E-2</c:v>
+                </c:pt>
+                <c:pt idx="243">
+                  <c:v>2.75E-2</c:v>
+                </c:pt>
+                <c:pt idx="244">
+                  <c:v>2.8999999999999998E-2</c:v>
+                </c:pt>
+                <c:pt idx="245">
+                  <c:v>3.1400000000000004E-2</c:v>
+                </c:pt>
+                <c:pt idx="246">
+                  <c:v>2.8999999999999998E-2</c:v>
+                </c:pt>
+                <c:pt idx="247">
+                  <c:v>2.8999999999999998E-2</c:v>
+                </c:pt>
+                <c:pt idx="248">
+                  <c:v>3.5200000000000002E-2</c:v>
+                </c:pt>
+                <c:pt idx="249">
+                  <c:v>3.9800000000000002E-2</c:v>
+                </c:pt>
+                <c:pt idx="250">
+                  <c:v>3.8900000000000004E-2</c:v>
+                </c:pt>
+                <c:pt idx="251">
+                  <c:v>3.6200000000000003E-2</c:v>
+                </c:pt>
+                <c:pt idx="252">
+                  <c:v>3.5299999999999998E-2</c:v>
+                </c:pt>
+                <c:pt idx="253">
+                  <c:v>3.7499999999999999E-2</c:v>
+                </c:pt>
+                <c:pt idx="254">
+                  <c:v>3.7499999999999999E-2</c:v>
+                </c:pt>
+              </c:numCache>
+            </c:numRef>
+          </c:val>
+          <c:smooth val="0"/>
+          <c:extLst>
+            <c:ext xmlns:c16="http://schemas.microsoft.com/office/drawing/2014/chart" uri="{C3380CC4-5D6E-409C-BE32-E72D297353CC}">
+              <c16:uniqueId val="{00000004-C6B7-C34A-96DD-B398883279F8}"/>
+            </c:ext>
+          </c:extLst>
+        </c:ser>
+        <c:dLbls>
+          <c:showLegendKey val="0"/>
+          <c:showVal val="0"/>
+          <c:showCatName val="0"/>
+          <c:showSerName val="0"/>
+          <c:showPercent val="0"/>
+          <c:showBubbleSize val="0"/>
+        </c:dLbls>
+        <c:smooth val="0"/>
+        <c:axId val="1368545664"/>
+        <c:axId val="1369947952"/>
+      </c:lineChart>
+      <c:dateAx>
+        <c:axId val="1368545664"/>
+        <c:scaling>
+          <c:orientation val="minMax"/>
+        </c:scaling>
+        <c:delete val="0"/>
+        <c:axPos val="b"/>
+        <c:numFmt formatCode="yyyy" sourceLinked="0"/>
+        <c:majorTickMark val="out"/>
+        <c:minorTickMark val="none"/>
+        <c:tickLblPos val="nextTo"/>
+        <c:spPr>
+          <a:noFill/>
+          <a:ln w="9525" cap="flat" cmpd="sng" algn="ctr">
+            <a:solidFill>
+              <a:schemeClr val="tx1">
+                <a:lumMod val="15000"/>
+                <a:lumOff val="85000"/>
+              </a:schemeClr>
+            </a:solidFill>
+            <a:round/>
+          </a:ln>
+          <a:effectLst/>
+        </c:spPr>
+        <c:txPr>
+          <a:bodyPr rot="-60000000" spcFirstLastPara="1" vertOverflow="ellipsis" vert="horz" wrap="square" anchor="ctr" anchorCtr="1"/>
+          <a:lstStyle/>
+          <a:p>
+            <a:pPr>
+              <a:defRPr sz="1197" b="0" i="0" u="none" strike="noStrike" kern="1200" baseline="0">
+                <a:solidFill>
+                  <a:schemeClr val="bg1"/>
+                </a:solidFill>
+                <a:latin typeface="+mn-lt"/>
+                <a:ea typeface="+mn-ea"/>
+                <a:cs typeface="+mn-cs"/>
+              </a:defRPr>
+            </a:pPr>
+            <a:endParaRPr lang="en-US"/>
+          </a:p>
+        </c:txPr>
+        <c:crossAx val="1369947952"/>
+        <c:crosses val="autoZero"/>
+        <c:auto val="1"/>
+        <c:lblOffset val="100"/>
+        <c:baseTimeUnit val="months"/>
+      </c:dateAx>
+      <c:valAx>
+        <c:axId val="1369947952"/>
+        <c:scaling>
+          <c:orientation val="minMax"/>
+        </c:scaling>
+        <c:delete val="0"/>
+        <c:axPos val="l"/>
+        <c:majorGridlines>
+          <c:spPr>
+            <a:ln w="9525" cap="flat" cmpd="sng" algn="ctr">
+              <a:solidFill>
+                <a:schemeClr val="tx1">
+                  <a:lumMod val="15000"/>
+                  <a:lumOff val="85000"/>
+                </a:schemeClr>
+              </a:solidFill>
+              <a:round/>
+            </a:ln>
+            <a:effectLst/>
+          </c:spPr>
+        </c:majorGridlines>
+        <c:numFmt formatCode="0%" sourceLinked="0"/>
+        <c:majorTickMark val="none"/>
+        <c:minorTickMark val="none"/>
+        <c:tickLblPos val="nextTo"/>
+        <c:spPr>
+          <a:noFill/>
+          <a:ln>
+            <a:noFill/>
+          </a:ln>
+          <a:effectLst/>
+        </c:spPr>
+        <c:txPr>
+          <a:bodyPr rot="-60000000" spcFirstLastPara="1" vertOverflow="ellipsis" vert="horz" wrap="square" anchor="ctr" anchorCtr="1"/>
+          <a:lstStyle/>
+          <a:p>
+            <a:pPr>
+              <a:defRPr sz="1400" b="0" i="0" u="none" strike="noStrike" kern="1200" baseline="0">
+                <a:solidFill>
+                  <a:schemeClr val="bg1"/>
+                </a:solidFill>
+                <a:latin typeface="+mn-lt"/>
+                <a:ea typeface="+mn-ea"/>
+                <a:cs typeface="+mn-cs"/>
+              </a:defRPr>
+            </a:pPr>
+            <a:endParaRPr lang="en-US"/>
+          </a:p>
+        </c:txPr>
+        <c:crossAx val="1368545664"/>
+        <c:crosses val="autoZero"/>
+        <c:crossBetween val="between"/>
+      </c:valAx>
+      <c:spPr>
+        <a:solidFill>
+          <a:schemeClr val="tx1"/>
+        </a:solidFill>
+        <a:ln>
+          <a:noFill/>
+        </a:ln>
+        <a:effectLst/>
+      </c:spPr>
+    </c:plotArea>
+    <c:plotVisOnly val="1"/>
+    <c:dispBlanksAs val="gap"/>
+    <c:extLst>
+      <c:ext xmlns:c16r3="http://schemas.microsoft.com/office/drawing/2017/03/chart" uri="{56B9EC1D-385E-4148-901F-78D8002777C0}">
+        <c16r3:dataDisplayOptions16>
+          <c16r3:dispNaAsBlank val="1"/>
+        </c16r3:dataDisplayOptions16>
+      </c:ext>
+    </c:extLst>
+    <c:showDLblsOverMax val="0"/>
+  </c:chart>
+  <c:spPr>
+    <a:solidFill>
+      <a:schemeClr val="tx1"/>
+    </a:solidFill>
+    <a:ln>
+      <a:noFill/>
+    </a:ln>
+    <a:effectLst/>
+  </c:spPr>
+  <c:txPr>
+    <a:bodyPr/>
+    <a:lstStyle/>
+    <a:p>
+      <a:pPr>
+        <a:defRPr/>
+      </a:pPr>
+      <a:endParaRPr lang="en-US"/>
+    </a:p>
+  </c:txPr>
+  <c:externalData r:id="rId3">
+    <c:autoUpdate val="0"/>
+  </c:externalData>
+</c:chartSpace>
+</file>
+
+<file path=ppt/charts/chart5.xml><?xml version="1.0" encoding="utf-8"?>
+<c:chartSpace xmlns:c="http://schemas.openxmlformats.org/drawingml/2006/chart" xmlns:a="http://schemas.openxmlformats.org/drawingml/2006/main" xmlns:r="http://schemas.openxmlformats.org/officeDocument/2006/relationships" xmlns:c16r2="http://schemas.microsoft.com/office/drawing/2015/06/chart">
+  <c:date1904 val="0"/>
+  <c:lang val="en-US"/>
+  <c:roundedCorners val="0"/>
+  <mc:AlternateContent xmlns:mc="http://schemas.openxmlformats.org/markup-compatibility/2006">
+    <mc:Choice xmlns:c14="http://schemas.microsoft.com/office/drawing/2007/8/2/chart" Requires="c14">
+      <c14:style val="102"/>
+    </mc:Choice>
+    <mc:Fallback>
+      <c:style val="2"/>
+    </mc:Fallback>
+  </mc:AlternateContent>
+  <c:chart>
+    <c:autoTitleDeleted val="1"/>
+    <c:plotArea>
+      <c:layout>
+        <c:manualLayout>
+          <c:layoutTarget val="inner"/>
+          <c:xMode val="edge"/>
+          <c:yMode val="edge"/>
+          <c:x val="0.11153989169903118"/>
+          <c:y val="3.1419190532482114E-2"/>
+          <c:w val="0.86288340115646267"/>
+          <c:h val="0.7561984807207397"/>
+        </c:manualLayout>
+      </c:layout>
       <c:barChart>
         <c:barDir val="col"/>
         <c:grouping val="clustered"/>
@@ -3155,6 +4967,46 @@
 </file>
 
 <file path=ppt/charts/colors4.xml><?xml version="1.0" encoding="utf-8"?>
+<cs:colorStyle xmlns:cs="http://schemas.microsoft.com/office/drawing/2012/chartStyle" xmlns:a="http://schemas.openxmlformats.org/drawingml/2006/main" meth="cycle" id="10">
+  <a:schemeClr val="accent1"/>
+  <a:schemeClr val="accent2"/>
+  <a:schemeClr val="accent3"/>
+  <a:schemeClr val="accent4"/>
+  <a:schemeClr val="accent5"/>
+  <a:schemeClr val="accent6"/>
+  <cs:variation/>
+  <cs:variation>
+    <a:lumMod val="60000"/>
+  </cs:variation>
+  <cs:variation>
+    <a:lumMod val="80000"/>
+    <a:lumOff val="20000"/>
+  </cs:variation>
+  <cs:variation>
+    <a:lumMod val="80000"/>
+  </cs:variation>
+  <cs:variation>
+    <a:lumMod val="60000"/>
+    <a:lumOff val="40000"/>
+  </cs:variation>
+  <cs:variation>
+    <a:lumMod val="50000"/>
+  </cs:variation>
+  <cs:variation>
+    <a:lumMod val="70000"/>
+    <a:lumOff val="30000"/>
+  </cs:variation>
+  <cs:variation>
+    <a:lumMod val="70000"/>
+  </cs:variation>
+  <cs:variation>
+    <a:lumMod val="50000"/>
+    <a:lumOff val="50000"/>
+  </cs:variation>
+</cs:colorStyle>
+</file>
+
+<file path=ppt/charts/colors5.xml><?xml version="1.0" encoding="utf-8"?>
 <cs:colorStyle xmlns:cs="http://schemas.microsoft.com/office/drawing/2012/chartStyle" xmlns:a="http://schemas.openxmlformats.org/drawingml/2006/main" meth="cycle" id="10">
   <a:schemeClr val="accent1"/>
   <a:schemeClr val="accent2"/>
@@ -5206,6 +7058,509 @@
 </cs:chartStyle>
 </file>
 
+<file path=ppt/charts/style5.xml><?xml version="1.0" encoding="utf-8"?>
+<cs:chartStyle xmlns:cs="http://schemas.microsoft.com/office/drawing/2012/chartStyle" xmlns:a="http://schemas.openxmlformats.org/drawingml/2006/main" id="201">
+  <cs:axisTitle>
+    <cs:lnRef idx="0"/>
+    <cs:fillRef idx="0"/>
+    <cs:effectRef idx="0"/>
+    <cs:fontRef idx="minor">
+      <a:schemeClr val="tx1">
+        <a:lumMod val="65000"/>
+        <a:lumOff val="35000"/>
+      </a:schemeClr>
+    </cs:fontRef>
+    <cs:defRPr sz="1330" kern="1200"/>
+  </cs:axisTitle>
+  <cs:categoryAxis>
+    <cs:lnRef idx="0"/>
+    <cs:fillRef idx="0"/>
+    <cs:effectRef idx="0"/>
+    <cs:fontRef idx="minor">
+      <a:schemeClr val="tx1">
+        <a:lumMod val="65000"/>
+        <a:lumOff val="35000"/>
+      </a:schemeClr>
+    </cs:fontRef>
+    <cs:spPr>
+      <a:ln w="9525" cap="flat" cmpd="sng" algn="ctr">
+        <a:solidFill>
+          <a:schemeClr val="tx1">
+            <a:lumMod val="15000"/>
+            <a:lumOff val="85000"/>
+          </a:schemeClr>
+        </a:solidFill>
+        <a:round/>
+      </a:ln>
+    </cs:spPr>
+    <cs:defRPr sz="1197" kern="1200"/>
+  </cs:categoryAxis>
+  <cs:chartArea mods="allowNoFillOverride allowNoLineOverride">
+    <cs:lnRef idx="0"/>
+    <cs:fillRef idx="0"/>
+    <cs:effectRef idx="0"/>
+    <cs:fontRef idx="minor">
+      <a:schemeClr val="tx1"/>
+    </cs:fontRef>
+    <cs:spPr>
+      <a:solidFill>
+        <a:schemeClr val="bg1"/>
+      </a:solidFill>
+      <a:ln w="9525" cap="flat" cmpd="sng" algn="ctr">
+        <a:solidFill>
+          <a:schemeClr val="tx1">
+            <a:lumMod val="15000"/>
+            <a:lumOff val="85000"/>
+          </a:schemeClr>
+        </a:solidFill>
+        <a:round/>
+      </a:ln>
+    </cs:spPr>
+    <cs:defRPr sz="1330" kern="1200"/>
+  </cs:chartArea>
+  <cs:dataLabel>
+    <cs:lnRef idx="0"/>
+    <cs:fillRef idx="0"/>
+    <cs:effectRef idx="0"/>
+    <cs:fontRef idx="minor">
+      <a:schemeClr val="tx1">
+        <a:lumMod val="75000"/>
+        <a:lumOff val="25000"/>
+      </a:schemeClr>
+    </cs:fontRef>
+    <cs:defRPr sz="1197" kern="1200"/>
+  </cs:dataLabel>
+  <cs:dataLabelCallout>
+    <cs:lnRef idx="0"/>
+    <cs:fillRef idx="0"/>
+    <cs:effectRef idx="0"/>
+    <cs:fontRef idx="minor">
+      <a:schemeClr val="dk1">
+        <a:lumMod val="65000"/>
+        <a:lumOff val="35000"/>
+      </a:schemeClr>
+    </cs:fontRef>
+    <cs:spPr>
+      <a:solidFill>
+        <a:schemeClr val="lt1"/>
+      </a:solidFill>
+      <a:ln>
+        <a:solidFill>
+          <a:schemeClr val="dk1">
+            <a:lumMod val="25000"/>
+            <a:lumOff val="75000"/>
+          </a:schemeClr>
+        </a:solidFill>
+      </a:ln>
+    </cs:spPr>
+    <cs:defRPr sz="1197" kern="1200"/>
+    <cs:bodyPr rot="0" spcFirstLastPara="1" vertOverflow="clip" horzOverflow="clip" vert="horz" wrap="square" lIns="36576" tIns="18288" rIns="36576" bIns="18288" anchor="ctr" anchorCtr="1">
+      <a:spAutoFit/>
+    </cs:bodyPr>
+  </cs:dataLabelCallout>
+  <cs:dataPoint>
+    <cs:lnRef idx="0"/>
+    <cs:fillRef idx="1">
+      <cs:styleClr val="auto"/>
+    </cs:fillRef>
+    <cs:effectRef idx="0"/>
+    <cs:fontRef idx="minor">
+      <a:schemeClr val="tx1"/>
+    </cs:fontRef>
+  </cs:dataPoint>
+  <cs:dataPoint3D>
+    <cs:lnRef idx="0"/>
+    <cs:fillRef idx="1">
+      <cs:styleClr val="auto"/>
+    </cs:fillRef>
+    <cs:effectRef idx="0"/>
+    <cs:fontRef idx="minor">
+      <a:schemeClr val="tx1"/>
+    </cs:fontRef>
+  </cs:dataPoint3D>
+  <cs:dataPointLine>
+    <cs:lnRef idx="0">
+      <cs:styleClr val="auto"/>
+    </cs:lnRef>
+    <cs:fillRef idx="1"/>
+    <cs:effectRef idx="0"/>
+    <cs:fontRef idx="minor">
+      <a:schemeClr val="tx1"/>
+    </cs:fontRef>
+    <cs:spPr>
+      <a:ln w="28575" cap="rnd">
+        <a:solidFill>
+          <a:schemeClr val="phClr"/>
+        </a:solidFill>
+        <a:round/>
+      </a:ln>
+    </cs:spPr>
+  </cs:dataPointLine>
+  <cs:dataPointMarker>
+    <cs:lnRef idx="0">
+      <cs:styleClr val="auto"/>
+    </cs:lnRef>
+    <cs:fillRef idx="1">
+      <cs:styleClr val="auto"/>
+    </cs:fillRef>
+    <cs:effectRef idx="0"/>
+    <cs:fontRef idx="minor">
+      <a:schemeClr val="tx1"/>
+    </cs:fontRef>
+    <cs:spPr>
+      <a:ln w="9525">
+        <a:solidFill>
+          <a:schemeClr val="phClr"/>
+        </a:solidFill>
+      </a:ln>
+    </cs:spPr>
+  </cs:dataPointMarker>
+  <cs:dataPointMarkerLayout symbol="circle" size="5"/>
+  <cs:dataPointWireframe>
+    <cs:lnRef idx="0">
+      <cs:styleClr val="auto"/>
+    </cs:lnRef>
+    <cs:fillRef idx="1"/>
+    <cs:effectRef idx="0"/>
+    <cs:fontRef idx="minor">
+      <a:schemeClr val="tx1"/>
+    </cs:fontRef>
+    <cs:spPr>
+      <a:ln w="9525" cap="rnd">
+        <a:solidFill>
+          <a:schemeClr val="phClr"/>
+        </a:solidFill>
+        <a:round/>
+      </a:ln>
+    </cs:spPr>
+  </cs:dataPointWireframe>
+  <cs:dataTable>
+    <cs:lnRef idx="0"/>
+    <cs:fillRef idx="0"/>
+    <cs:effectRef idx="0"/>
+    <cs:fontRef idx="minor">
+      <a:schemeClr val="tx1">
+        <a:lumMod val="65000"/>
+        <a:lumOff val="35000"/>
+      </a:schemeClr>
+    </cs:fontRef>
+    <cs:spPr>
+      <a:noFill/>
+      <a:ln w="9525" cap="flat" cmpd="sng" algn="ctr">
+        <a:solidFill>
+          <a:schemeClr val="tx1">
+            <a:lumMod val="15000"/>
+            <a:lumOff val="85000"/>
+          </a:schemeClr>
+        </a:solidFill>
+        <a:round/>
+      </a:ln>
+    </cs:spPr>
+    <cs:defRPr sz="1197" kern="1200"/>
+  </cs:dataTable>
+  <cs:downBar>
+    <cs:lnRef idx="0"/>
+    <cs:fillRef idx="0"/>
+    <cs:effectRef idx="0"/>
+    <cs:fontRef idx="minor">
+      <a:schemeClr val="dk1"/>
+    </cs:fontRef>
+    <cs:spPr>
+      <a:solidFill>
+        <a:schemeClr val="dk1">
+          <a:lumMod val="65000"/>
+          <a:lumOff val="35000"/>
+        </a:schemeClr>
+      </a:solidFill>
+      <a:ln w="9525">
+        <a:solidFill>
+          <a:schemeClr val="tx1">
+            <a:lumMod val="65000"/>
+            <a:lumOff val="35000"/>
+          </a:schemeClr>
+        </a:solidFill>
+      </a:ln>
+    </cs:spPr>
+  </cs:downBar>
+  <cs:dropLine>
+    <cs:lnRef idx="0"/>
+    <cs:fillRef idx="0"/>
+    <cs:effectRef idx="0"/>
+    <cs:fontRef idx="minor">
+      <a:schemeClr val="tx1"/>
+    </cs:fontRef>
+    <cs:spPr>
+      <a:ln w="9525" cap="flat" cmpd="sng" algn="ctr">
+        <a:solidFill>
+          <a:schemeClr val="tx1">
+            <a:lumMod val="35000"/>
+            <a:lumOff val="65000"/>
+          </a:schemeClr>
+        </a:solidFill>
+        <a:round/>
+      </a:ln>
+    </cs:spPr>
+  </cs:dropLine>
+  <cs:errorBar>
+    <cs:lnRef idx="0"/>
+    <cs:fillRef idx="0"/>
+    <cs:effectRef idx="0"/>
+    <cs:fontRef idx="minor">
+      <a:schemeClr val="tx1"/>
+    </cs:fontRef>
+    <cs:spPr>
+      <a:ln w="9525" cap="flat" cmpd="sng" algn="ctr">
+        <a:solidFill>
+          <a:schemeClr val="tx1">
+            <a:lumMod val="65000"/>
+            <a:lumOff val="35000"/>
+          </a:schemeClr>
+        </a:solidFill>
+        <a:round/>
+      </a:ln>
+    </cs:spPr>
+  </cs:errorBar>
+  <cs:floor>
+    <cs:lnRef idx="0"/>
+    <cs:fillRef idx="0"/>
+    <cs:effectRef idx="0"/>
+    <cs:fontRef idx="minor">
+      <a:schemeClr val="tx1"/>
+    </cs:fontRef>
+    <cs:spPr>
+      <a:noFill/>
+      <a:ln>
+        <a:noFill/>
+      </a:ln>
+    </cs:spPr>
+  </cs:floor>
+  <cs:gridlineMajor>
+    <cs:lnRef idx="0"/>
+    <cs:fillRef idx="0"/>
+    <cs:effectRef idx="0"/>
+    <cs:fontRef idx="minor">
+      <a:schemeClr val="tx1"/>
+    </cs:fontRef>
+    <cs:spPr>
+      <a:ln w="9525" cap="flat" cmpd="sng" algn="ctr">
+        <a:solidFill>
+          <a:schemeClr val="tx1">
+            <a:lumMod val="15000"/>
+            <a:lumOff val="85000"/>
+          </a:schemeClr>
+        </a:solidFill>
+        <a:round/>
+      </a:ln>
+    </cs:spPr>
+  </cs:gridlineMajor>
+  <cs:gridlineMinor>
+    <cs:lnRef idx="0"/>
+    <cs:fillRef idx="0"/>
+    <cs:effectRef idx="0"/>
+    <cs:fontRef idx="minor">
+      <a:schemeClr val="tx1"/>
+    </cs:fontRef>
+    <cs:spPr>
+      <a:ln w="9525" cap="flat" cmpd="sng" algn="ctr">
+        <a:solidFill>
+          <a:schemeClr val="tx1">
+            <a:lumMod val="5000"/>
+            <a:lumOff val="95000"/>
+          </a:schemeClr>
+        </a:solidFill>
+        <a:round/>
+      </a:ln>
+    </cs:spPr>
+  </cs:gridlineMinor>
+  <cs:hiLoLine>
+    <cs:lnRef idx="0"/>
+    <cs:fillRef idx="0"/>
+    <cs:effectRef idx="0"/>
+    <cs:fontRef idx="minor">
+      <a:schemeClr val="tx1"/>
+    </cs:fontRef>
+    <cs:spPr>
+      <a:ln w="9525" cap="flat" cmpd="sng" algn="ctr">
+        <a:solidFill>
+          <a:schemeClr val="tx1">
+            <a:lumMod val="75000"/>
+            <a:lumOff val="25000"/>
+          </a:schemeClr>
+        </a:solidFill>
+        <a:round/>
+      </a:ln>
+    </cs:spPr>
+  </cs:hiLoLine>
+  <cs:leaderLine>
+    <cs:lnRef idx="0"/>
+    <cs:fillRef idx="0"/>
+    <cs:effectRef idx="0"/>
+    <cs:fontRef idx="minor">
+      <a:schemeClr val="tx1"/>
+    </cs:fontRef>
+    <cs:spPr>
+      <a:ln w="9525" cap="flat" cmpd="sng" algn="ctr">
+        <a:solidFill>
+          <a:schemeClr val="tx1">
+            <a:lumMod val="35000"/>
+            <a:lumOff val="65000"/>
+          </a:schemeClr>
+        </a:solidFill>
+        <a:round/>
+      </a:ln>
+    </cs:spPr>
+  </cs:leaderLine>
+  <cs:legend>
+    <cs:lnRef idx="0"/>
+    <cs:fillRef idx="0"/>
+    <cs:effectRef idx="0"/>
+    <cs:fontRef idx="minor">
+      <a:schemeClr val="tx1">
+        <a:lumMod val="65000"/>
+        <a:lumOff val="35000"/>
+      </a:schemeClr>
+    </cs:fontRef>
+    <cs:defRPr sz="1197" kern="1200"/>
+  </cs:legend>
+  <cs:plotArea mods="allowNoFillOverride allowNoLineOverride">
+    <cs:lnRef idx="0"/>
+    <cs:fillRef idx="0"/>
+    <cs:effectRef idx="0"/>
+    <cs:fontRef idx="minor">
+      <a:schemeClr val="tx1"/>
+    </cs:fontRef>
+  </cs:plotArea>
+  <cs:plotArea3D mods="allowNoFillOverride allowNoLineOverride">
+    <cs:lnRef idx="0"/>
+    <cs:fillRef idx="0"/>
+    <cs:effectRef idx="0"/>
+    <cs:fontRef idx="minor">
+      <a:schemeClr val="tx1"/>
+    </cs:fontRef>
+  </cs:plotArea3D>
+  <cs:seriesAxis>
+    <cs:lnRef idx="0"/>
+    <cs:fillRef idx="0"/>
+    <cs:effectRef idx="0"/>
+    <cs:fontRef idx="minor">
+      <a:schemeClr val="tx1">
+        <a:lumMod val="65000"/>
+        <a:lumOff val="35000"/>
+      </a:schemeClr>
+    </cs:fontRef>
+    <cs:defRPr sz="1197" kern="1200"/>
+  </cs:seriesAxis>
+  <cs:seriesLine>
+    <cs:lnRef idx="0"/>
+    <cs:fillRef idx="0"/>
+    <cs:effectRef idx="0"/>
+    <cs:fontRef idx="minor">
+      <a:schemeClr val="tx1"/>
+    </cs:fontRef>
+    <cs:spPr>
+      <a:ln w="9525" cap="flat" cmpd="sng" algn="ctr">
+        <a:solidFill>
+          <a:schemeClr val="tx1">
+            <a:lumMod val="35000"/>
+            <a:lumOff val="65000"/>
+          </a:schemeClr>
+        </a:solidFill>
+        <a:round/>
+      </a:ln>
+    </cs:spPr>
+  </cs:seriesLine>
+  <cs:title>
+    <cs:lnRef idx="0"/>
+    <cs:fillRef idx="0"/>
+    <cs:effectRef idx="0"/>
+    <cs:fontRef idx="minor">
+      <a:schemeClr val="tx1">
+        <a:lumMod val="65000"/>
+        <a:lumOff val="35000"/>
+      </a:schemeClr>
+    </cs:fontRef>
+    <cs:defRPr sz="1862" b="0" kern="1200" spc="0" baseline="0"/>
+  </cs:title>
+  <cs:trendline>
+    <cs:lnRef idx="0">
+      <cs:styleClr val="auto"/>
+    </cs:lnRef>
+    <cs:fillRef idx="0"/>
+    <cs:effectRef idx="0"/>
+    <cs:fontRef idx="minor">
+      <a:schemeClr val="tx1"/>
+    </cs:fontRef>
+    <cs:spPr>
+      <a:ln w="19050" cap="rnd">
+        <a:solidFill>
+          <a:schemeClr val="phClr"/>
+        </a:solidFill>
+        <a:prstDash val="sysDot"/>
+      </a:ln>
+    </cs:spPr>
+  </cs:trendline>
+  <cs:trendlineLabel>
+    <cs:lnRef idx="0"/>
+    <cs:fillRef idx="0"/>
+    <cs:effectRef idx="0"/>
+    <cs:fontRef idx="minor">
+      <a:schemeClr val="tx1">
+        <a:lumMod val="65000"/>
+        <a:lumOff val="35000"/>
+      </a:schemeClr>
+    </cs:fontRef>
+    <cs:defRPr sz="1197" kern="1200"/>
+  </cs:trendlineLabel>
+  <cs:upBar>
+    <cs:lnRef idx="0"/>
+    <cs:fillRef idx="0"/>
+    <cs:effectRef idx="0"/>
+    <cs:fontRef idx="minor">
+      <a:schemeClr val="dk1"/>
+    </cs:fontRef>
+    <cs:spPr>
+      <a:solidFill>
+        <a:schemeClr val="lt1"/>
+      </a:solidFill>
+      <a:ln w="9525">
+        <a:solidFill>
+          <a:schemeClr val="tx1">
+            <a:lumMod val="15000"/>
+            <a:lumOff val="85000"/>
+          </a:schemeClr>
+        </a:solidFill>
+      </a:ln>
+    </cs:spPr>
+  </cs:upBar>
+  <cs:valueAxis>
+    <cs:lnRef idx="0"/>
+    <cs:fillRef idx="0"/>
+    <cs:effectRef idx="0"/>
+    <cs:fontRef idx="minor">
+      <a:schemeClr val="tx1">
+        <a:lumMod val="65000"/>
+        <a:lumOff val="35000"/>
+      </a:schemeClr>
+    </cs:fontRef>
+    <cs:defRPr sz="1197" kern="1200"/>
+  </cs:valueAxis>
+  <cs:wall>
+    <cs:lnRef idx="0"/>
+    <cs:fillRef idx="0"/>
+    <cs:effectRef idx="0"/>
+    <cs:fontRef idx="minor">
+      <a:schemeClr val="tx1"/>
+    </cs:fontRef>
+    <cs:spPr>
+      <a:noFill/>
+      <a:ln>
+        <a:noFill/>
+      </a:ln>
+    </cs:spPr>
+  </cs:wall>
+</cs:chartStyle>
+</file>
+
 <file path=ppt/drawings/drawing1.xml><?xml version="1.0" encoding="utf-8"?>
 <c:userShapes xmlns:c="http://schemas.openxmlformats.org/drawingml/2006/chart">
   <cdr:relSizeAnchor xmlns:cdr="http://schemas.openxmlformats.org/drawingml/2006/chartDrawing">
@@ -5500,7 +7855,7 @@
           <a:p>
             <a:fld id="{938A6D79-D875-6346-B8C1-87F00EC47795}" type="datetimeFigureOut">
               <a:rPr lang="en-US" smtClean="0"/>
-              <a:t>3/28/23</a:t>
+              <a:t>3/29/23</a:t>
             </a:fld>
             <a:endParaRPr lang="en-US"/>
           </a:p>
@@ -5698,7 +8053,7 @@
           <a:p>
             <a:fld id="{938A6D79-D875-6346-B8C1-87F00EC47795}" type="datetimeFigureOut">
               <a:rPr lang="en-US" smtClean="0"/>
-              <a:t>3/28/23</a:t>
+              <a:t>3/29/23</a:t>
             </a:fld>
             <a:endParaRPr lang="en-US"/>
           </a:p>
@@ -5906,7 +8261,7 @@
           <a:p>
             <a:fld id="{938A6D79-D875-6346-B8C1-87F00EC47795}" type="datetimeFigureOut">
               <a:rPr lang="en-US" smtClean="0"/>
-              <a:t>3/28/23</a:t>
+              <a:t>3/29/23</a:t>
             </a:fld>
             <a:endParaRPr lang="en-US"/>
           </a:p>
@@ -6104,7 +8459,7 @@
           <a:p>
             <a:fld id="{938A6D79-D875-6346-B8C1-87F00EC47795}" type="datetimeFigureOut">
               <a:rPr lang="en-US" smtClean="0"/>
-              <a:t>3/28/23</a:t>
+              <a:t>3/29/23</a:t>
             </a:fld>
             <a:endParaRPr lang="en-US"/>
           </a:p>
@@ -6379,7 +8734,7 @@
           <a:p>
             <a:fld id="{938A6D79-D875-6346-B8C1-87F00EC47795}" type="datetimeFigureOut">
               <a:rPr lang="en-US" smtClean="0"/>
-              <a:t>3/28/23</a:t>
+              <a:t>3/29/23</a:t>
             </a:fld>
             <a:endParaRPr lang="en-US"/>
           </a:p>
@@ -6644,7 +8999,7 @@
           <a:p>
             <a:fld id="{938A6D79-D875-6346-B8C1-87F00EC47795}" type="datetimeFigureOut">
               <a:rPr lang="en-US" smtClean="0"/>
-              <a:t>3/28/23</a:t>
+              <a:t>3/29/23</a:t>
             </a:fld>
             <a:endParaRPr lang="en-US"/>
           </a:p>
@@ -7056,7 +9411,7 @@
           <a:p>
             <a:fld id="{938A6D79-D875-6346-B8C1-87F00EC47795}" type="datetimeFigureOut">
               <a:rPr lang="en-US" smtClean="0"/>
-              <a:t>3/28/23</a:t>
+              <a:t>3/29/23</a:t>
             </a:fld>
             <a:endParaRPr lang="en-US"/>
           </a:p>
@@ -7197,7 +9552,7 @@
           <a:p>
             <a:fld id="{938A6D79-D875-6346-B8C1-87F00EC47795}" type="datetimeFigureOut">
               <a:rPr lang="en-US" smtClean="0"/>
-              <a:t>3/28/23</a:t>
+              <a:t>3/29/23</a:t>
             </a:fld>
             <a:endParaRPr lang="en-US"/>
           </a:p>
@@ -7310,7 +9665,7 @@
           <a:p>
             <a:fld id="{938A6D79-D875-6346-B8C1-87F00EC47795}" type="datetimeFigureOut">
               <a:rPr lang="en-US" smtClean="0"/>
-              <a:t>3/28/23</a:t>
+              <a:t>3/29/23</a:t>
             </a:fld>
             <a:endParaRPr lang="en-US"/>
           </a:p>
@@ -7621,7 +9976,7 @@
           <a:p>
             <a:fld id="{938A6D79-D875-6346-B8C1-87F00EC47795}" type="datetimeFigureOut">
               <a:rPr lang="en-US" smtClean="0"/>
-              <a:t>3/28/23</a:t>
+              <a:t>3/29/23</a:t>
             </a:fld>
             <a:endParaRPr lang="en-US"/>
           </a:p>
@@ -7909,7 +10264,7 @@
           <a:p>
             <a:fld id="{938A6D79-D875-6346-B8C1-87F00EC47795}" type="datetimeFigureOut">
               <a:rPr lang="en-US" smtClean="0"/>
-              <a:t>3/28/23</a:t>
+              <a:t>3/29/23</a:t>
             </a:fld>
             <a:endParaRPr lang="en-US"/>
           </a:p>
@@ -8150,7 +10505,7 @@
           <a:p>
             <a:fld id="{938A6D79-D875-6346-B8C1-87F00EC47795}" type="datetimeFigureOut">
               <a:rPr lang="en-US" smtClean="0"/>
-              <a:t>3/28/23</a:t>
+              <a:t>3/29/23</a:t>
             </a:fld>
             <a:endParaRPr lang="en-US"/>
           </a:p>
@@ -9349,7 +11704,7 @@
                   <a:schemeClr val="bg1"/>
                 </a:solidFill>
               </a:rPr>
-              <a:t>Managing your sensitivity to interest rate changes </a:t>
+              <a:t>Don’t SVB your 401k</a:t>
             </a:r>
           </a:p>
         </p:txBody>
@@ -9494,6 +11849,212 @@
                   <a:schemeClr val="bg1"/>
                 </a:solidFill>
               </a:rPr>
+              <a:t>Convincing… how do I use this information?</a:t>
+            </a:r>
+          </a:p>
+        </p:txBody>
+      </p:sp>
+      <p:sp>
+        <p:nvSpPr>
+          <p:cNvPr id="8" name="Content Placeholder 7">
+            <a:extLst>
+              <a:ext uri="{FF2B5EF4-FFF2-40B4-BE49-F238E27FC236}">
+                <a16:creationId xmlns:a16="http://schemas.microsoft.com/office/drawing/2014/main" id="{C4263DBB-CAD1-6E1D-9E1D-89E5ECC89F46}"/>
+              </a:ext>
+            </a:extLst>
+          </p:cNvPr>
+          <p:cNvSpPr>
+            <a:spLocks noGrp="1"/>
+          </p:cNvSpPr>
+          <p:nvPr>
+            <p:ph sz="half" idx="4294967295"/>
+          </p:nvPr>
+        </p:nvSpPr>
+        <p:spPr>
+          <a:xfrm>
+            <a:off x="838200" y="1690688"/>
+            <a:ext cx="10902244" cy="4879445"/>
+          </a:xfrm>
+        </p:spPr>
+        <p:txBody>
+          <a:bodyPr/>
+          <a:lstStyle/>
+          <a:p>
+            <a:r>
+              <a:rPr lang="en-US" dirty="0"/>
+              <a:t>From a pure risk management prospective:</a:t>
+            </a:r>
+          </a:p>
+          <a:p>
+            <a:pPr lvl="1"/>
+            <a:r>
+              <a:rPr lang="en-US" dirty="0"/>
+              <a:t>When interest rates decrease your bond portfolio increases, interest rate risk is working for you.</a:t>
+            </a:r>
+          </a:p>
+          <a:p>
+            <a:pPr lvl="1"/>
+            <a:r>
+              <a:rPr lang="en-US" dirty="0"/>
+              <a:t>When interest rates increase your bond portfolio decreases in proportion to its duration, if you want less interest rate risk you should pick a fund with </a:t>
+            </a:r>
+            <a:r>
+              <a:rPr lang="en-US" b="1" dirty="0"/>
+              <a:t>lower</a:t>
+            </a:r>
+            <a:r>
+              <a:rPr lang="en-US" dirty="0"/>
+              <a:t> duration.</a:t>
+            </a:r>
+          </a:p>
+          <a:p>
+            <a:pPr marL="457200" lvl="1" indent="0">
+              <a:buNone/>
+            </a:pPr>
+            <a:endParaRPr lang="en-US" dirty="0"/>
+          </a:p>
+        </p:txBody>
+      </p:sp>
+    </p:spTree>
+    <p:extLst>
+      <p:ext uri="{BB962C8B-B14F-4D97-AF65-F5344CB8AC3E}">
+        <p14:creationId xmlns:p14="http://schemas.microsoft.com/office/powerpoint/2010/main" val="1679236479"/>
+      </p:ext>
+    </p:extLst>
+  </p:cSld>
+  <p:clrMapOvr>
+    <a:masterClrMapping/>
+  </p:clrMapOvr>
+</p:sld>
+</file>
+
+<file path=ppt/slides/slide11.xml><?xml version="1.0" encoding="utf-8"?>
+<p:sld xmlns:a="http://schemas.openxmlformats.org/drawingml/2006/main" xmlns:r="http://schemas.openxmlformats.org/officeDocument/2006/relationships" xmlns:p="http://schemas.openxmlformats.org/presentationml/2006/main">
+  <p:cSld>
+    <p:spTree>
+      <p:nvGrpSpPr>
+        <p:cNvPr id="1" name=""/>
+        <p:cNvGrpSpPr/>
+        <p:nvPr/>
+      </p:nvGrpSpPr>
+      <p:grpSpPr>
+        <a:xfrm>
+          <a:off x="0" y="0"/>
+          <a:ext cx="0" cy="0"/>
+          <a:chOff x="0" y="0"/>
+          <a:chExt cx="0" cy="0"/>
+        </a:xfrm>
+      </p:grpSpPr>
+      <p:sp>
+        <p:nvSpPr>
+          <p:cNvPr id="3" name="Rectangle 2">
+            <a:extLst>
+              <a:ext uri="{FF2B5EF4-FFF2-40B4-BE49-F238E27FC236}">
+                <a16:creationId xmlns:a16="http://schemas.microsoft.com/office/drawing/2014/main" id="{108A94AB-37A8-76F4-0D61-EE95D1F87559}"/>
+              </a:ext>
+            </a:extLst>
+          </p:cNvPr>
+          <p:cNvSpPr/>
+          <p:nvPr/>
+        </p:nvSpPr>
+        <p:spPr>
+          <a:xfrm>
+            <a:off x="0" y="-6178"/>
+            <a:ext cx="12187723" cy="1369485"/>
+          </a:xfrm>
+          <a:prstGeom prst="rect">
+            <a:avLst/>
+          </a:prstGeom>
+        </p:spPr>
+        <p:style>
+          <a:lnRef idx="2">
+            <a:schemeClr val="dk1">
+              <a:shade val="50000"/>
+            </a:schemeClr>
+          </a:lnRef>
+          <a:fillRef idx="1">
+            <a:schemeClr val="dk1"/>
+          </a:fillRef>
+          <a:effectRef idx="0">
+            <a:schemeClr val="dk1"/>
+          </a:effectRef>
+          <a:fontRef idx="minor">
+            <a:schemeClr val="lt1"/>
+          </a:fontRef>
+        </p:style>
+        <p:txBody>
+          <a:bodyPr rtlCol="0" anchor="ctr"/>
+          <a:lstStyle/>
+          <a:p>
+            <a:pPr algn="ctr"/>
+            <a:endParaRPr lang="en-US"/>
+          </a:p>
+        </p:txBody>
+      </p:sp>
+      <p:pic>
+        <p:nvPicPr>
+          <p:cNvPr id="4" name="Picture 3">
+            <a:extLst>
+              <a:ext uri="{FF2B5EF4-FFF2-40B4-BE49-F238E27FC236}">
+                <a16:creationId xmlns:a16="http://schemas.microsoft.com/office/drawing/2014/main" id="{D3C58493-E708-02EB-663F-18577BAA25B3}"/>
+              </a:ext>
+            </a:extLst>
+          </p:cNvPr>
+          <p:cNvPicPr>
+            <a:picLocks noChangeAspect="1"/>
+          </p:cNvPicPr>
+          <p:nvPr/>
+        </p:nvPicPr>
+        <p:blipFill>
+          <a:blip r:embed="rId2"/>
+          <a:stretch>
+            <a:fillRect/>
+          </a:stretch>
+        </p:blipFill>
+        <p:spPr>
+          <a:xfrm>
+            <a:off x="147595" y="5740400"/>
+            <a:ext cx="1244600" cy="1117600"/>
+          </a:xfrm>
+          <a:prstGeom prst="rect">
+            <a:avLst/>
+          </a:prstGeom>
+        </p:spPr>
+      </p:pic>
+      <p:sp>
+        <p:nvSpPr>
+          <p:cNvPr id="2" name="Title 1">
+            <a:extLst>
+              <a:ext uri="{FF2B5EF4-FFF2-40B4-BE49-F238E27FC236}">
+                <a16:creationId xmlns:a16="http://schemas.microsoft.com/office/drawing/2014/main" id="{D3E4C03F-BBED-D50A-E6E6-1B5A8B88679C}"/>
+              </a:ext>
+            </a:extLst>
+          </p:cNvPr>
+          <p:cNvSpPr>
+            <a:spLocks noGrp="1"/>
+          </p:cNvSpPr>
+          <p:nvPr>
+            <p:ph type="title"/>
+          </p:nvPr>
+        </p:nvSpPr>
+        <p:spPr>
+          <a:xfrm>
+            <a:off x="147595" y="37744"/>
+            <a:ext cx="11942805" cy="1325563"/>
+          </a:xfrm>
+        </p:spPr>
+        <p:txBody>
+          <a:bodyPr>
+            <a:normAutofit/>
+          </a:bodyPr>
+          <a:lstStyle/>
+          <a:p>
+            <a:r>
+              <a:rPr lang="en-US" sz="4000" dirty="0">
+                <a:solidFill>
+                  <a:schemeClr val="bg1"/>
+                </a:solidFill>
+              </a:rPr>
               <a:t>How do I know the duration of a fund?  Look it up!</a:t>
             </a:r>
           </a:p>
@@ -9623,7 +12184,7 @@
 </p:sld>
 </file>
 
-<file path=ppt/slides/slide11.xml><?xml version="1.0" encoding="utf-8"?>
+<file path=ppt/slides/slide12.xml><?xml version="1.0" encoding="utf-8"?>
 <p:sld xmlns:a="http://schemas.openxmlformats.org/drawingml/2006/main" xmlns:r="http://schemas.openxmlformats.org/officeDocument/2006/relationships" xmlns:p="http://schemas.openxmlformats.org/presentationml/2006/main">
   <p:cSld>
     <p:spTree>
@@ -9879,7 +12440,7 @@
 </p:sld>
 </file>
 
-<file path=ppt/slides/slide12.xml><?xml version="1.0" encoding="utf-8"?>
+<file path=ppt/slides/slide13.xml><?xml version="1.0" encoding="utf-8"?>
 <p:sld xmlns:a="http://schemas.openxmlformats.org/drawingml/2006/main" xmlns:r="http://schemas.openxmlformats.org/officeDocument/2006/relationships" xmlns:p="http://schemas.openxmlformats.org/presentationml/2006/main">
   <p:cSld>
     <p:spTree>
@@ -10618,7 +13179,7 @@
         <p:spPr>
           <a:xfrm>
             <a:off x="10274752" y="6388900"/>
-            <a:ext cx="1402948" cy="246221"/>
+            <a:ext cx="1675459" cy="246221"/>
           </a:xfrm>
           <a:prstGeom prst="rect">
             <a:avLst/>
@@ -10637,7 +13198,7 @@
                   <a:schemeClr val="bg1"/>
                 </a:solidFill>
               </a:rPr>
-              <a:t>Source: Yahoo! Finance</a:t>
+              <a:t>Data Source: Yahoo! Finance</a:t>
             </a:r>
           </a:p>
         </p:txBody>
@@ -10657,7 +13218,7 @@
         <p:spPr>
           <a:xfrm>
             <a:off x="6342820" y="222878"/>
-            <a:ext cx="4199163" cy="369332"/>
+            <a:ext cx="4199163" cy="646331"/>
           </a:xfrm>
           <a:prstGeom prst="rect">
             <a:avLst/>
@@ -10669,6 +13230,16 @@
             <a:spAutoFit/>
           </a:bodyPr>
           <a:lstStyle/>
+          <a:p>
+            <a:r>
+              <a:rPr lang="en-US" dirty="0">
+                <a:solidFill>
+                  <a:schemeClr val="bg1"/>
+                </a:solidFill>
+              </a:rPr>
+              <a:t>Figure 2: </a:t>
+            </a:r>
+          </a:p>
           <a:p>
             <a:r>
               <a:rPr lang="en-US" dirty="0">
@@ -11109,7 +13680,7 @@
         <p:spPr>
           <a:xfrm>
             <a:off x="10274752" y="6388900"/>
-            <a:ext cx="1402948" cy="246221"/>
+            <a:ext cx="1675459" cy="246221"/>
           </a:xfrm>
           <a:prstGeom prst="rect">
             <a:avLst/>
@@ -11128,7 +13699,7 @@
                   <a:schemeClr val="bg1"/>
                 </a:solidFill>
               </a:rPr>
-              <a:t>Source: Yahoo! Finance</a:t>
+              <a:t>Data Source: Yahoo! Finance</a:t>
             </a:r>
           </a:p>
         </p:txBody>
@@ -11148,7 +13719,7 @@
         <p:spPr>
           <a:xfrm>
             <a:off x="6342820" y="222878"/>
-            <a:ext cx="3792513" cy="369332"/>
+            <a:ext cx="4544514" cy="369332"/>
           </a:xfrm>
           <a:prstGeom prst="rect">
             <a:avLst/>
@@ -11167,7 +13738,7 @@
                   <a:schemeClr val="bg1"/>
                 </a:solidFill>
               </a:rPr>
-              <a:t>Sorted Returns for 60/40 U.S. Portfolio</a:t>
+              <a:t>Figure Sorted Returns for 60/40 U.S. Portfolio</a:t>
             </a:r>
           </a:p>
         </p:txBody>
@@ -12196,7 +14767,7 @@
         <p:spPr>
           <a:xfrm>
             <a:off x="10495966" y="6510333"/>
-            <a:ext cx="1255472" cy="246221"/>
+            <a:ext cx="1527982" cy="246221"/>
           </a:xfrm>
           <a:prstGeom prst="rect">
             <a:avLst/>
@@ -12215,7 +14786,7 @@
                   <a:schemeClr val="bg1"/>
                 </a:solidFill>
               </a:rPr>
-              <a:t>Source: St. Louis Fed</a:t>
+              <a:t>Data Source: St. Louis Fed</a:t>
             </a:r>
           </a:p>
         </p:txBody>
@@ -12288,7 +14859,7 @@
         <p:spPr>
           <a:xfrm>
             <a:off x="6342820" y="222878"/>
-            <a:ext cx="2343462" cy="369332"/>
+            <a:ext cx="2343462" cy="646331"/>
           </a:xfrm>
           <a:prstGeom prst="rect">
             <a:avLst/>
@@ -12300,6 +14871,16 @@
             <a:spAutoFit/>
           </a:bodyPr>
           <a:lstStyle/>
+          <a:p>
+            <a:r>
+              <a:rPr lang="en-US" dirty="0">
+                <a:solidFill>
+                  <a:schemeClr val="bg1"/>
+                </a:solidFill>
+              </a:rPr>
+              <a:t>Figure 1: </a:t>
+            </a:r>
+          </a:p>
           <a:p>
             <a:r>
               <a:rPr lang="en-US" dirty="0">
@@ -12536,6 +15117,461 @@
         </p:nvSpPr>
         <p:spPr>
           <a:xfrm>
+            <a:off x="3231571" y="142051"/>
+            <a:ext cx="8960429" cy="6857999"/>
+          </a:xfrm>
+          <a:prstGeom prst="rect">
+            <a:avLst/>
+          </a:prstGeom>
+        </p:spPr>
+        <p:style>
+          <a:lnRef idx="2">
+            <a:schemeClr val="dk1">
+              <a:shade val="50000"/>
+            </a:schemeClr>
+          </a:lnRef>
+          <a:fillRef idx="1">
+            <a:schemeClr val="dk1"/>
+          </a:fillRef>
+          <a:effectRef idx="0">
+            <a:schemeClr val="dk1"/>
+          </a:effectRef>
+          <a:fontRef idx="minor">
+            <a:schemeClr val="lt1"/>
+          </a:fontRef>
+        </p:style>
+        <p:txBody>
+          <a:bodyPr rtlCol="0" anchor="ctr"/>
+          <a:lstStyle/>
+          <a:p>
+            <a:pPr algn="ctr"/>
+            <a:endParaRPr lang="en-US"/>
+          </a:p>
+        </p:txBody>
+      </p:sp>
+      <p:pic>
+        <p:nvPicPr>
+          <p:cNvPr id="4" name="Picture 3">
+            <a:extLst>
+              <a:ext uri="{FF2B5EF4-FFF2-40B4-BE49-F238E27FC236}">
+                <a16:creationId xmlns:a16="http://schemas.microsoft.com/office/drawing/2014/main" id="{D3C58493-E708-02EB-663F-18577BAA25B3}"/>
+              </a:ext>
+            </a:extLst>
+          </p:cNvPr>
+          <p:cNvPicPr>
+            <a:picLocks noChangeAspect="1"/>
+          </p:cNvPicPr>
+          <p:nvPr/>
+        </p:nvPicPr>
+        <p:blipFill>
+          <a:blip r:embed="rId2"/>
+          <a:stretch>
+            <a:fillRect/>
+          </a:stretch>
+        </p:blipFill>
+        <p:spPr>
+          <a:xfrm>
+            <a:off x="147595" y="5740400"/>
+            <a:ext cx="1244600" cy="1117600"/>
+          </a:xfrm>
+          <a:prstGeom prst="rect">
+            <a:avLst/>
+          </a:prstGeom>
+        </p:spPr>
+      </p:pic>
+      <p:graphicFrame>
+        <p:nvGraphicFramePr>
+          <p:cNvPr id="5" name="Chart 4">
+            <a:extLst>
+              <a:ext uri="{FF2B5EF4-FFF2-40B4-BE49-F238E27FC236}">
+                <a16:creationId xmlns:a16="http://schemas.microsoft.com/office/drawing/2014/main" id="{2FF862F6-A7D1-05C2-8F9A-504D9F8C8526}"/>
+              </a:ext>
+            </a:extLst>
+          </p:cNvPr>
+          <p:cNvGraphicFramePr/>
+          <p:nvPr>
+            <p:extLst>
+              <p:ext uri="{D42A27DB-BD31-4B8C-83A1-F6EECF244321}">
+                <p14:modId xmlns:p14="http://schemas.microsoft.com/office/powerpoint/2010/main" val="3932830029"/>
+              </p:ext>
+            </p:extLst>
+          </p:nvPr>
+        </p:nvGraphicFramePr>
+        <p:xfrm>
+          <a:off x="7379257" y="1037969"/>
+          <a:ext cx="4665148" cy="2996149"/>
+        </p:xfrm>
+        <a:graphic>
+          <a:graphicData uri="http://schemas.openxmlformats.org/drawingml/2006/chart">
+            <c:chart xmlns:c="http://schemas.openxmlformats.org/drawingml/2006/chart" xmlns:r="http://schemas.openxmlformats.org/officeDocument/2006/relationships" r:id="rId3"/>
+          </a:graphicData>
+        </a:graphic>
+      </p:graphicFrame>
+      <p:sp>
+        <p:nvSpPr>
+          <p:cNvPr id="11" name="TextBox 10">
+            <a:extLst>
+              <a:ext uri="{FF2B5EF4-FFF2-40B4-BE49-F238E27FC236}">
+                <a16:creationId xmlns:a16="http://schemas.microsoft.com/office/drawing/2014/main" id="{7D9CC828-8BA8-CF95-7B53-02852941F694}"/>
+              </a:ext>
+            </a:extLst>
+          </p:cNvPr>
+          <p:cNvSpPr txBox="1"/>
+          <p:nvPr/>
+        </p:nvSpPr>
+        <p:spPr>
+          <a:xfrm>
+            <a:off x="10495966" y="6510333"/>
+            <a:ext cx="1527982" cy="246221"/>
+          </a:xfrm>
+          <a:prstGeom prst="rect">
+            <a:avLst/>
+          </a:prstGeom>
+          <a:noFill/>
+        </p:spPr>
+        <p:txBody>
+          <a:bodyPr wrap="none" rtlCol="0">
+            <a:spAutoFit/>
+          </a:bodyPr>
+          <a:lstStyle/>
+          <a:p>
+            <a:r>
+              <a:rPr lang="en-US" sz="1000" dirty="0">
+                <a:solidFill>
+                  <a:schemeClr val="bg1"/>
+                </a:solidFill>
+              </a:rPr>
+              <a:t>Data Source: St. Louis Fed</a:t>
+            </a:r>
+          </a:p>
+        </p:txBody>
+      </p:sp>
+      <p:sp>
+        <p:nvSpPr>
+          <p:cNvPr id="2" name="Oval 1">
+            <a:extLst>
+              <a:ext uri="{FF2B5EF4-FFF2-40B4-BE49-F238E27FC236}">
+                <a16:creationId xmlns:a16="http://schemas.microsoft.com/office/drawing/2014/main" id="{371E25EE-2879-8651-2267-49958CF42CA8}"/>
+              </a:ext>
+            </a:extLst>
+          </p:cNvPr>
+          <p:cNvSpPr/>
+          <p:nvPr/>
+        </p:nvSpPr>
+        <p:spPr>
+          <a:xfrm>
+            <a:off x="11585987" y="1244290"/>
+            <a:ext cx="242780" cy="2428261"/>
+          </a:xfrm>
+          <a:prstGeom prst="ellipse">
+            <a:avLst/>
+          </a:prstGeom>
+          <a:noFill/>
+          <a:ln w="28575">
+            <a:solidFill>
+              <a:schemeClr val="accent4"/>
+            </a:solidFill>
+            <a:prstDash val="sysDash"/>
+          </a:ln>
+        </p:spPr>
+        <p:style>
+          <a:lnRef idx="2">
+            <a:schemeClr val="accent1">
+              <a:shade val="50000"/>
+            </a:schemeClr>
+          </a:lnRef>
+          <a:fillRef idx="1">
+            <a:schemeClr val="accent1"/>
+          </a:fillRef>
+          <a:effectRef idx="0">
+            <a:schemeClr val="accent1"/>
+          </a:effectRef>
+          <a:fontRef idx="minor">
+            <a:schemeClr val="lt1"/>
+          </a:fontRef>
+        </p:style>
+        <p:txBody>
+          <a:bodyPr rtlCol="0" anchor="ctr"/>
+          <a:lstStyle/>
+          <a:p>
+            <a:pPr algn="ctr"/>
+            <a:endParaRPr lang="en-US"/>
+          </a:p>
+        </p:txBody>
+      </p:sp>
+      <p:sp>
+        <p:nvSpPr>
+          <p:cNvPr id="3" name="TextBox 2">
+            <a:extLst>
+              <a:ext uri="{FF2B5EF4-FFF2-40B4-BE49-F238E27FC236}">
+                <a16:creationId xmlns:a16="http://schemas.microsoft.com/office/drawing/2014/main" id="{54709B57-5D72-2C17-7309-19FE646D976A}"/>
+              </a:ext>
+            </a:extLst>
+          </p:cNvPr>
+          <p:cNvSpPr txBox="1"/>
+          <p:nvPr/>
+        </p:nvSpPr>
+        <p:spPr>
+          <a:xfrm>
+            <a:off x="6342820" y="222878"/>
+            <a:ext cx="2343462" cy="646331"/>
+          </a:xfrm>
+          <a:prstGeom prst="rect">
+            <a:avLst/>
+          </a:prstGeom>
+          <a:noFill/>
+        </p:spPr>
+        <p:txBody>
+          <a:bodyPr wrap="none" rtlCol="0">
+            <a:spAutoFit/>
+          </a:bodyPr>
+          <a:lstStyle/>
+          <a:p>
+            <a:r>
+              <a:rPr lang="en-US" dirty="0">
+                <a:solidFill>
+                  <a:schemeClr val="bg1"/>
+                </a:solidFill>
+              </a:rPr>
+              <a:t>Figure 1: </a:t>
+            </a:r>
+          </a:p>
+          <a:p>
+            <a:r>
+              <a:rPr lang="en-US" dirty="0">
+                <a:solidFill>
+                  <a:schemeClr val="bg1"/>
+                </a:solidFill>
+              </a:rPr>
+              <a:t>10 Year Treasury Rates </a:t>
+            </a:r>
+          </a:p>
+        </p:txBody>
+      </p:sp>
+      <p:sp>
+        <p:nvSpPr>
+          <p:cNvPr id="7" name="Oval 6">
+            <a:extLst>
+              <a:ext uri="{FF2B5EF4-FFF2-40B4-BE49-F238E27FC236}">
+                <a16:creationId xmlns:a16="http://schemas.microsoft.com/office/drawing/2014/main" id="{B5609634-7F65-D9A5-DF5B-0747A866401F}"/>
+              </a:ext>
+            </a:extLst>
+          </p:cNvPr>
+          <p:cNvSpPr/>
+          <p:nvPr/>
+        </p:nvSpPr>
+        <p:spPr>
+          <a:xfrm>
+            <a:off x="9062985" y="1285212"/>
+            <a:ext cx="180528" cy="2428261"/>
+          </a:xfrm>
+          <a:prstGeom prst="ellipse">
+            <a:avLst/>
+          </a:prstGeom>
+          <a:noFill/>
+          <a:ln w="28575">
+            <a:solidFill>
+              <a:schemeClr val="accent2"/>
+            </a:solidFill>
+            <a:prstDash val="sysDash"/>
+          </a:ln>
+        </p:spPr>
+        <p:style>
+          <a:lnRef idx="2">
+            <a:schemeClr val="accent1">
+              <a:shade val="50000"/>
+            </a:schemeClr>
+          </a:lnRef>
+          <a:fillRef idx="1">
+            <a:schemeClr val="accent1"/>
+          </a:fillRef>
+          <a:effectRef idx="0">
+            <a:schemeClr val="accent1"/>
+          </a:effectRef>
+          <a:fontRef idx="minor">
+            <a:schemeClr val="lt1"/>
+          </a:fontRef>
+        </p:style>
+        <p:txBody>
+          <a:bodyPr rtlCol="0" anchor="ctr"/>
+          <a:lstStyle/>
+          <a:p>
+            <a:pPr algn="ctr"/>
+            <a:endParaRPr lang="en-US"/>
+          </a:p>
+        </p:txBody>
+      </p:sp>
+      <p:sp>
+        <p:nvSpPr>
+          <p:cNvPr id="9" name="TextBox 8">
+            <a:extLst>
+              <a:ext uri="{FF2B5EF4-FFF2-40B4-BE49-F238E27FC236}">
+                <a16:creationId xmlns:a16="http://schemas.microsoft.com/office/drawing/2014/main" id="{9EC043C8-BAFD-FD74-B8D8-BCA03C67CC69}"/>
+              </a:ext>
+            </a:extLst>
+          </p:cNvPr>
+          <p:cNvSpPr txBox="1"/>
+          <p:nvPr/>
+        </p:nvSpPr>
+        <p:spPr>
+          <a:xfrm rot="16200000">
+            <a:off x="11027243" y="1711904"/>
+            <a:ext cx="778934" cy="338554"/>
+          </a:xfrm>
+          <a:prstGeom prst="rect">
+            <a:avLst/>
+          </a:prstGeom>
+          <a:noFill/>
+        </p:spPr>
+        <p:txBody>
+          <a:bodyPr wrap="square" rtlCol="0">
+            <a:spAutoFit/>
+          </a:bodyPr>
+          <a:lstStyle/>
+          <a:p>
+            <a:r>
+              <a:rPr lang="en-US" sz="1600" dirty="0">
+                <a:solidFill>
+                  <a:schemeClr val="accent4"/>
+                </a:solidFill>
+              </a:rPr>
+              <a:t>2022</a:t>
+            </a:r>
+          </a:p>
+        </p:txBody>
+      </p:sp>
+      <p:sp>
+        <p:nvSpPr>
+          <p:cNvPr id="10" name="TextBox 9">
+            <a:extLst>
+              <a:ext uri="{FF2B5EF4-FFF2-40B4-BE49-F238E27FC236}">
+                <a16:creationId xmlns:a16="http://schemas.microsoft.com/office/drawing/2014/main" id="{9E34D8D0-D4CA-9346-AC5E-EF0D4BCD55A7}"/>
+              </a:ext>
+            </a:extLst>
+          </p:cNvPr>
+          <p:cNvSpPr txBox="1"/>
+          <p:nvPr/>
+        </p:nvSpPr>
+        <p:spPr>
+          <a:xfrm rot="16200000">
+            <a:off x="8434154" y="2863465"/>
+            <a:ext cx="778934" cy="338554"/>
+          </a:xfrm>
+          <a:prstGeom prst="rect">
+            <a:avLst/>
+          </a:prstGeom>
+          <a:noFill/>
+        </p:spPr>
+        <p:txBody>
+          <a:bodyPr wrap="square" rtlCol="0">
+            <a:spAutoFit/>
+          </a:bodyPr>
+          <a:lstStyle/>
+          <a:p>
+            <a:r>
+              <a:rPr lang="en-US" sz="1600" dirty="0">
+                <a:solidFill>
+                  <a:schemeClr val="accent2"/>
+                </a:solidFill>
+              </a:rPr>
+              <a:t>2008</a:t>
+            </a:r>
+          </a:p>
+        </p:txBody>
+      </p:sp>
+      <p:sp>
+        <p:nvSpPr>
+          <p:cNvPr id="12" name="TextBox 11">
+            <a:extLst>
+              <a:ext uri="{FF2B5EF4-FFF2-40B4-BE49-F238E27FC236}">
+                <a16:creationId xmlns:a16="http://schemas.microsoft.com/office/drawing/2014/main" id="{73B4D380-A6CD-4F32-0B42-26AD0CFBD15F}"/>
+              </a:ext>
+            </a:extLst>
+          </p:cNvPr>
+          <p:cNvSpPr txBox="1"/>
+          <p:nvPr/>
+        </p:nvSpPr>
+        <p:spPr>
+          <a:xfrm>
+            <a:off x="6672587" y="6453197"/>
+            <a:ext cx="2390398" cy="400110"/>
+          </a:xfrm>
+          <a:prstGeom prst="rect">
+            <a:avLst/>
+          </a:prstGeom>
+          <a:noFill/>
+        </p:spPr>
+        <p:txBody>
+          <a:bodyPr wrap="none" rtlCol="0">
+            <a:spAutoFit/>
+          </a:bodyPr>
+          <a:lstStyle/>
+          <a:p>
+            <a:r>
+              <a:rPr lang="en-US" sz="1000" dirty="0">
+                <a:solidFill>
+                  <a:schemeClr val="bg1"/>
+                </a:solidFill>
+              </a:rPr>
+              <a:t>Market Yield on U.S. Treasury Securities at</a:t>
+            </a:r>
+          </a:p>
+          <a:p>
+            <a:r>
+              <a:rPr lang="en-US" sz="1000" dirty="0">
+                <a:solidFill>
+                  <a:schemeClr val="bg1"/>
+                </a:solidFill>
+              </a:rPr>
+              <a:t> 10-Year Constant Maturity</a:t>
+            </a:r>
+          </a:p>
+        </p:txBody>
+      </p:sp>
+    </p:spTree>
+    <p:extLst>
+      <p:ext uri="{BB962C8B-B14F-4D97-AF65-F5344CB8AC3E}">
+        <p14:creationId xmlns:p14="http://schemas.microsoft.com/office/powerpoint/2010/main" val="2188348461"/>
+      </p:ext>
+    </p:extLst>
+  </p:cSld>
+  <p:clrMapOvr>
+    <a:masterClrMapping/>
+  </p:clrMapOvr>
+</p:sld>
+</file>
+
+<file path=ppt/slides/slide9.xml><?xml version="1.0" encoding="utf-8"?>
+<p:sld xmlns:a="http://schemas.openxmlformats.org/drawingml/2006/main" xmlns:r="http://schemas.openxmlformats.org/officeDocument/2006/relationships" xmlns:p="http://schemas.openxmlformats.org/presentationml/2006/main">
+  <p:cSld>
+    <p:spTree>
+      <p:nvGrpSpPr>
+        <p:cNvPr id="1" name=""/>
+        <p:cNvGrpSpPr/>
+        <p:nvPr/>
+      </p:nvGrpSpPr>
+      <p:grpSpPr>
+        <a:xfrm>
+          <a:off x="0" y="0"/>
+          <a:ext cx="0" cy="0"/>
+          <a:chOff x="0" y="0"/>
+          <a:chExt cx="0" cy="0"/>
+        </a:xfrm>
+      </p:grpSpPr>
+      <p:sp>
+        <p:nvSpPr>
+          <p:cNvPr id="6" name="Rectangle 5">
+            <a:extLst>
+              <a:ext uri="{FF2B5EF4-FFF2-40B4-BE49-F238E27FC236}">
+                <a16:creationId xmlns:a16="http://schemas.microsoft.com/office/drawing/2014/main" id="{6B908736-B4D6-BCDD-D2AF-18575C313B80}"/>
+              </a:ext>
+            </a:extLst>
+          </p:cNvPr>
+          <p:cNvSpPr/>
+          <p:nvPr/>
+        </p:nvSpPr>
+        <p:spPr>
+          <a:xfrm>
             <a:off x="5959917" y="-6178"/>
             <a:ext cx="6227806" cy="6857999"/>
           </a:xfrm>
@@ -12611,7 +15647,7 @@
           <p:nvPr>
             <p:extLst>
               <p:ext uri="{D42A27DB-BD31-4B8C-83A1-F6EECF244321}">
-                <p14:modId xmlns:p14="http://schemas.microsoft.com/office/powerpoint/2010/main" val="3242516650"/>
+                <p14:modId xmlns:p14="http://schemas.microsoft.com/office/powerpoint/2010/main" val="632770795"/>
               </p:ext>
             </p:extLst>
           </p:nvPr>
@@ -12719,7 +15755,7 @@
         <p:spPr>
           <a:xfrm>
             <a:off x="10274752" y="6388900"/>
-            <a:ext cx="1402948" cy="246221"/>
+            <a:ext cx="1675459" cy="246221"/>
           </a:xfrm>
           <a:prstGeom prst="rect">
             <a:avLst/>
@@ -12738,7 +15774,7 @@
                   <a:schemeClr val="bg1"/>
                 </a:solidFill>
               </a:rPr>
-              <a:t>Source: Yahoo! Finance</a:t>
+              <a:t>Data Source: Yahoo! Finance</a:t>
             </a:r>
           </a:p>
         </p:txBody>
@@ -13109,212 +16145,6 @@
     <p:extLst>
       <p:ext uri="{BB962C8B-B14F-4D97-AF65-F5344CB8AC3E}">
         <p14:creationId xmlns:p14="http://schemas.microsoft.com/office/powerpoint/2010/main" val="2696298467"/>
-      </p:ext>
-    </p:extLst>
-  </p:cSld>
-  <p:clrMapOvr>
-    <a:masterClrMapping/>
-  </p:clrMapOvr>
-</p:sld>
-</file>
-
-<file path=ppt/slides/slide9.xml><?xml version="1.0" encoding="utf-8"?>
-<p:sld xmlns:a="http://schemas.openxmlformats.org/drawingml/2006/main" xmlns:r="http://schemas.openxmlformats.org/officeDocument/2006/relationships" xmlns:p="http://schemas.openxmlformats.org/presentationml/2006/main">
-  <p:cSld>
-    <p:spTree>
-      <p:nvGrpSpPr>
-        <p:cNvPr id="1" name=""/>
-        <p:cNvGrpSpPr/>
-        <p:nvPr/>
-      </p:nvGrpSpPr>
-      <p:grpSpPr>
-        <a:xfrm>
-          <a:off x="0" y="0"/>
-          <a:ext cx="0" cy="0"/>
-          <a:chOff x="0" y="0"/>
-          <a:chExt cx="0" cy="0"/>
-        </a:xfrm>
-      </p:grpSpPr>
-      <p:sp>
-        <p:nvSpPr>
-          <p:cNvPr id="3" name="Rectangle 2">
-            <a:extLst>
-              <a:ext uri="{FF2B5EF4-FFF2-40B4-BE49-F238E27FC236}">
-                <a16:creationId xmlns:a16="http://schemas.microsoft.com/office/drawing/2014/main" id="{108A94AB-37A8-76F4-0D61-EE95D1F87559}"/>
-              </a:ext>
-            </a:extLst>
-          </p:cNvPr>
-          <p:cNvSpPr/>
-          <p:nvPr/>
-        </p:nvSpPr>
-        <p:spPr>
-          <a:xfrm>
-            <a:off x="0" y="-6178"/>
-            <a:ext cx="12187723" cy="1369485"/>
-          </a:xfrm>
-          <a:prstGeom prst="rect">
-            <a:avLst/>
-          </a:prstGeom>
-        </p:spPr>
-        <p:style>
-          <a:lnRef idx="2">
-            <a:schemeClr val="dk1">
-              <a:shade val="50000"/>
-            </a:schemeClr>
-          </a:lnRef>
-          <a:fillRef idx="1">
-            <a:schemeClr val="dk1"/>
-          </a:fillRef>
-          <a:effectRef idx="0">
-            <a:schemeClr val="dk1"/>
-          </a:effectRef>
-          <a:fontRef idx="minor">
-            <a:schemeClr val="lt1"/>
-          </a:fontRef>
-        </p:style>
-        <p:txBody>
-          <a:bodyPr rtlCol="0" anchor="ctr"/>
-          <a:lstStyle/>
-          <a:p>
-            <a:pPr algn="ctr"/>
-            <a:endParaRPr lang="en-US"/>
-          </a:p>
-        </p:txBody>
-      </p:sp>
-      <p:pic>
-        <p:nvPicPr>
-          <p:cNvPr id="4" name="Picture 3">
-            <a:extLst>
-              <a:ext uri="{FF2B5EF4-FFF2-40B4-BE49-F238E27FC236}">
-                <a16:creationId xmlns:a16="http://schemas.microsoft.com/office/drawing/2014/main" id="{D3C58493-E708-02EB-663F-18577BAA25B3}"/>
-              </a:ext>
-            </a:extLst>
-          </p:cNvPr>
-          <p:cNvPicPr>
-            <a:picLocks noChangeAspect="1"/>
-          </p:cNvPicPr>
-          <p:nvPr/>
-        </p:nvPicPr>
-        <p:blipFill>
-          <a:blip r:embed="rId2"/>
-          <a:stretch>
-            <a:fillRect/>
-          </a:stretch>
-        </p:blipFill>
-        <p:spPr>
-          <a:xfrm>
-            <a:off x="147595" y="5740400"/>
-            <a:ext cx="1244600" cy="1117600"/>
-          </a:xfrm>
-          <a:prstGeom prst="rect">
-            <a:avLst/>
-          </a:prstGeom>
-        </p:spPr>
-      </p:pic>
-      <p:sp>
-        <p:nvSpPr>
-          <p:cNvPr id="2" name="Title 1">
-            <a:extLst>
-              <a:ext uri="{FF2B5EF4-FFF2-40B4-BE49-F238E27FC236}">
-                <a16:creationId xmlns:a16="http://schemas.microsoft.com/office/drawing/2014/main" id="{D3E4C03F-BBED-D50A-E6E6-1B5A8B88679C}"/>
-              </a:ext>
-            </a:extLst>
-          </p:cNvPr>
-          <p:cNvSpPr>
-            <a:spLocks noGrp="1"/>
-          </p:cNvSpPr>
-          <p:nvPr>
-            <p:ph type="title"/>
-          </p:nvPr>
-        </p:nvSpPr>
-        <p:spPr>
-          <a:xfrm>
-            <a:off x="147595" y="37744"/>
-            <a:ext cx="11942805" cy="1325563"/>
-          </a:xfrm>
-        </p:spPr>
-        <p:txBody>
-          <a:bodyPr>
-            <a:normAutofit/>
-          </a:bodyPr>
-          <a:lstStyle/>
-          <a:p>
-            <a:r>
-              <a:rPr lang="en-US" sz="4000" dirty="0">
-                <a:solidFill>
-                  <a:schemeClr val="bg1"/>
-                </a:solidFill>
-              </a:rPr>
-              <a:t>Convincing… how do I use this information?</a:t>
-            </a:r>
-          </a:p>
-        </p:txBody>
-      </p:sp>
-      <p:sp>
-        <p:nvSpPr>
-          <p:cNvPr id="8" name="Content Placeholder 7">
-            <a:extLst>
-              <a:ext uri="{FF2B5EF4-FFF2-40B4-BE49-F238E27FC236}">
-                <a16:creationId xmlns:a16="http://schemas.microsoft.com/office/drawing/2014/main" id="{C4263DBB-CAD1-6E1D-9E1D-89E5ECC89F46}"/>
-              </a:ext>
-            </a:extLst>
-          </p:cNvPr>
-          <p:cNvSpPr>
-            <a:spLocks noGrp="1"/>
-          </p:cNvSpPr>
-          <p:nvPr>
-            <p:ph sz="half" idx="4294967295"/>
-          </p:nvPr>
-        </p:nvSpPr>
-        <p:spPr>
-          <a:xfrm>
-            <a:off x="838200" y="1690688"/>
-            <a:ext cx="10902244" cy="4879445"/>
-          </a:xfrm>
-        </p:spPr>
-        <p:txBody>
-          <a:bodyPr/>
-          <a:lstStyle/>
-          <a:p>
-            <a:r>
-              <a:rPr lang="en-US" dirty="0"/>
-              <a:t>From a pure risk management prospective:</a:t>
-            </a:r>
-          </a:p>
-          <a:p>
-            <a:pPr lvl="1"/>
-            <a:r>
-              <a:rPr lang="en-US" dirty="0"/>
-              <a:t>When interest rates decrease your bond portfolio increases, interest rate risk is working for you.</a:t>
-            </a:r>
-          </a:p>
-          <a:p>
-            <a:pPr lvl="1"/>
-            <a:r>
-              <a:rPr lang="en-US" dirty="0"/>
-              <a:t>When interest rates increase your bond portfolio decreases in proportion to its duration, if you want less interest rate risk you should pick a fund with </a:t>
-            </a:r>
-            <a:r>
-              <a:rPr lang="en-US" b="1" dirty="0"/>
-              <a:t>lower</a:t>
-            </a:r>
-            <a:r>
-              <a:rPr lang="en-US" dirty="0"/>
-              <a:t> duration.</a:t>
-            </a:r>
-          </a:p>
-          <a:p>
-            <a:pPr marL="457200" lvl="1" indent="0">
-              <a:buNone/>
-            </a:pPr>
-            <a:endParaRPr lang="en-US" dirty="0"/>
-          </a:p>
-        </p:txBody>
-      </p:sp>
-    </p:spTree>
-    <p:extLst>
-      <p:ext uri="{BB962C8B-B14F-4D97-AF65-F5344CB8AC3E}">
-        <p14:creationId xmlns:p14="http://schemas.microsoft.com/office/powerpoint/2010/main" val="1679236479"/>
       </p:ext>
     </p:extLst>
   </p:cSld>
